--- a/微信小程序初级入门.pptx
+++ b/微信小程序初级入门.pptx
@@ -1,36 +1,33 @@
 
 <file path=ppt/presentation.xml><?xml version="1.0" encoding="utf-8"?>
-<p:presentation xmlns:a="http://schemas.openxmlformats.org/drawingml/2006/main" xmlns:r="http://schemas.openxmlformats.org/officeDocument/2006/relationships" xmlns:p="http://schemas.openxmlformats.org/presentationml/2006/main" saveSubsetFonts="1">
+<p:presentation xmlns:a="http://schemas.openxmlformats.org/drawingml/2006/main" xmlns:r="http://schemas.openxmlformats.org/officeDocument/2006/relationships" xmlns:p="http://schemas.openxmlformats.org/presentationml/2006/main">
   <p:sldMasterIdLst>
-    <p:sldMasterId id="2147483702" r:id="rId1"/>
-    <p:sldMasterId id="2147483714" r:id="rId2"/>
+    <p:sldMasterId id="2147483648" r:id="rId1"/>
+    <p:sldMasterId id="2147483659" r:id="rId3"/>
   </p:sldMasterIdLst>
   <p:notesMasterIdLst>
-    <p:notesMasterId r:id="rId19"/>
+    <p:notesMasterId r:id="rId20"/>
   </p:notesMasterIdLst>
   <p:sldIdLst>
-    <p:sldId id="315" r:id="rId3"/>
-    <p:sldId id="311" r:id="rId4"/>
-    <p:sldId id="317" r:id="rId5"/>
-    <p:sldId id="320" r:id="rId6"/>
-    <p:sldId id="319" r:id="rId7"/>
-    <p:sldId id="318" r:id="rId8"/>
-    <p:sldId id="321" r:id="rId9"/>
-    <p:sldId id="322" r:id="rId10"/>
-    <p:sldId id="323" r:id="rId11"/>
-    <p:sldId id="312" r:id="rId12"/>
-    <p:sldId id="310" r:id="rId13"/>
-    <p:sldId id="313" r:id="rId14"/>
-    <p:sldId id="309" r:id="rId15"/>
-    <p:sldId id="314" r:id="rId16"/>
-    <p:sldId id="324" r:id="rId17"/>
-    <p:sldId id="316" r:id="rId18"/>
+    <p:sldId id="315" r:id="rId4"/>
+    <p:sldId id="311" r:id="rId5"/>
+    <p:sldId id="317" r:id="rId6"/>
+    <p:sldId id="320" r:id="rId7"/>
+    <p:sldId id="319" r:id="rId8"/>
+    <p:sldId id="318" r:id="rId9"/>
+    <p:sldId id="321" r:id="rId10"/>
+    <p:sldId id="322" r:id="rId11"/>
+    <p:sldId id="323" r:id="rId12"/>
+    <p:sldId id="312" r:id="rId13"/>
+    <p:sldId id="310" r:id="rId14"/>
+    <p:sldId id="313" r:id="rId15"/>
+    <p:sldId id="309" r:id="rId16"/>
+    <p:sldId id="314" r:id="rId17"/>
+    <p:sldId id="324" r:id="rId18"/>
+    <p:sldId id="316" r:id="rId19"/>
   </p:sldIdLst>
   <p:sldSz cx="12192000" cy="6858000"/>
   <p:notesSz cx="6858000" cy="9144000"/>
-  <p:custDataLst>
-    <p:tags r:id="rId20"/>
-  </p:custDataLst>
   <p:defaultTextStyle>
     <a:defPPr>
       <a:defRPr lang="zh-CN"/>
@@ -126,16 +123,7 @@
       </a:defRPr>
     </a:lvl9pPr>
   </p:defaultTextStyle>
-  <p:extLst>
-    <p:ext uri="{EFAFB233-063F-42B5-8137-9DF3F51BA10A}">
-      <p15:sldGuideLst xmlns:p15="http://schemas.microsoft.com/office/powerpoint/2012/main"/>
-    </p:ext>
-  </p:extLst>
 </p:presentation>
-</file>
-
-<file path=ppt/revisionInfo.xml><?xml version="1.0" encoding="utf-8"?>
-<p1510:revInfo xmlns:a="http://schemas.openxmlformats.org/drawingml/2006/main" xmlns:r="http://schemas.openxmlformats.org/officeDocument/2006/relationships" xmlns:p1510="http://schemas.microsoft.com/office/powerpoint/2015/10/main"/>
 </file>
 
 <file path=ppt/notesMasters/notesMaster1.xml><?xml version="1.0" encoding="utf-8"?>
@@ -220,7 +208,6 @@
           <a:p>
             <a:fld id="{486A1CF4-3141-438E-B544-9DC661E2D46F}" type="datetimeFigureOut">
               <a:rPr lang="zh-CN" altLang="en-US" smtClean="0"/>
-              <a:t>2018-7-12</a:t>
             </a:fld>
             <a:endParaRPr lang="zh-CN" altLang="en-US"/>
           </a:p>
@@ -287,6 +274,7 @@
               <a:rPr lang="zh-CN" altLang="en-US"/>
               <a:t>单击此处编辑母版文本样式</a:t>
             </a:r>
+            <a:endParaRPr lang="zh-CN" altLang="en-US"/>
           </a:p>
           <a:p>
             <a:pPr lvl="1"/>
@@ -294,6 +282,7 @@
               <a:rPr lang="zh-CN" altLang="en-US"/>
               <a:t>第二级</a:t>
             </a:r>
+            <a:endParaRPr lang="zh-CN" altLang="en-US"/>
           </a:p>
           <a:p>
             <a:pPr lvl="2"/>
@@ -301,6 +290,7 @@
               <a:rPr lang="zh-CN" altLang="en-US"/>
               <a:t>第三级</a:t>
             </a:r>
+            <a:endParaRPr lang="zh-CN" altLang="en-US"/>
           </a:p>
           <a:p>
             <a:pPr lvl="3"/>
@@ -308,6 +298,7 @@
               <a:rPr lang="zh-CN" altLang="en-US"/>
               <a:t>第四级</a:t>
             </a:r>
+            <a:endParaRPr lang="zh-CN" altLang="en-US"/>
           </a:p>
           <a:p>
             <a:pPr lvl="4"/>
@@ -315,6 +306,7 @@
               <a:rPr lang="zh-CN" altLang="en-US"/>
               <a:t>第五级</a:t>
             </a:r>
+            <a:endParaRPr lang="zh-CN" altLang="en-US"/>
           </a:p>
         </p:txBody>
       </p:sp>
@@ -378,18 +370,12 @@
           <a:p>
             <a:fld id="{20B16CC2-40E4-42C6-B045-BDBA59AC99A2}" type="slidenum">
               <a:rPr lang="zh-CN" altLang="en-US" smtClean="0"/>
-              <a:t>‹#›</a:t>
             </a:fld>
             <a:endParaRPr lang="zh-CN" altLang="en-US"/>
           </a:p>
         </p:txBody>
       </p:sp>
     </p:spTree>
-    <p:extLst>
-      <p:ext uri="{BB962C8B-B14F-4D97-AF65-F5344CB8AC3E}">
-        <p14:creationId xmlns:p14="http://schemas.microsoft.com/office/powerpoint/2010/main" val="2925278187"/>
-      </p:ext>
-    </p:extLst>
   </p:cSld>
   <p:clrMap bg1="lt1" tx1="dk1" bg2="lt2" tx2="dk2" accent1="accent1" accent2="accent2" accent3="accent3" accent4="accent4" accent5="accent5" accent6="accent6" hlink="hlink" folHlink="folHlink"/>
   <p:notesStyle>
@@ -506,13 +492,7 @@
       </p:grpSpPr>
       <p:grpSp>
         <p:nvGrpSpPr>
-          <p:cNvPr id="7" name="组合 6">
-            <a:extLst>
-              <a:ext uri="{FF2B5EF4-FFF2-40B4-BE49-F238E27FC236}">
-                <a16:creationId xmlns:a16="http://schemas.microsoft.com/office/drawing/2014/main" xmlns="" id="{CF5B539F-BFF9-48F7-A096-7240D608014D}"/>
-              </a:ext>
-            </a:extLst>
-          </p:cNvPr>
+          <p:cNvPr id="7" name="组合 6"/>
           <p:cNvGrpSpPr/>
           <p:nvPr userDrawn="1"/>
         </p:nvGrpSpPr>
@@ -612,8 +592,8 @@
                   <a:solidFill>
                     <a:schemeClr val="bg1"/>
                   </a:solidFill>
-                  <a:latin typeface="微软雅黑" pitchFamily="34" charset="-122"/>
-                  <a:ea typeface="微软雅黑" pitchFamily="34" charset="-122"/>
+                  <a:latin typeface="微软雅黑" panose="020B0503020204020204" pitchFamily="34" charset="-122"/>
+                  <a:ea typeface="微软雅黑" panose="020B0503020204020204" pitchFamily="34" charset="-122"/>
                 </a:defRPr>
               </a:lvl1pPr>
             </a:lstStyle>
@@ -779,11 +759,6 @@
         </p:spPr>
       </p:pic>
     </p:spTree>
-    <p:extLst>
-      <p:ext uri="{BB962C8B-B14F-4D97-AF65-F5344CB8AC3E}">
-        <p14:creationId xmlns:p14="http://schemas.microsoft.com/office/powerpoint/2010/main" val="3142815852"/>
-      </p:ext>
-    </p:extLst>
   </p:cSld>
   <p:clrMapOvr>
     <a:masterClrMapping/>
@@ -903,8 +878,8 @@
                 <a:solidFill>
                   <a:schemeClr val="bg1"/>
                 </a:solidFill>
-                <a:latin typeface="微软雅黑" pitchFamily="34" charset="-122"/>
-                <a:ea typeface="微软雅黑" pitchFamily="34" charset="-122"/>
+                <a:latin typeface="微软雅黑" panose="020B0503020204020204" pitchFamily="34" charset="-122"/>
+                <a:ea typeface="微软雅黑" panose="020B0503020204020204" pitchFamily="34" charset="-122"/>
               </a:defRPr>
             </a:lvl1pPr>
           </a:lstStyle>
@@ -1004,6 +979,13 @@
               </a:rPr>
               <a:t>方案提供商</a:t>
             </a:r>
+            <a:endParaRPr lang="zh-CN" altLang="en-US" dirty="0" smtClean="0">
+              <a:solidFill>
+                <a:schemeClr val="bg1"/>
+              </a:solidFill>
+              <a:latin typeface="黑体" panose="02010609060101010101" pitchFamily="49" charset="-122"/>
+              <a:ea typeface="黑体" panose="02010609060101010101" pitchFamily="49" charset="-122"/>
+            </a:endParaRPr>
           </a:p>
         </p:txBody>
       </p:sp>
@@ -1038,11 +1020,6 @@
         </p:spPr>
       </p:pic>
     </p:spTree>
-    <p:extLst>
-      <p:ext uri="{BB962C8B-B14F-4D97-AF65-F5344CB8AC3E}">
-        <p14:creationId xmlns:p14="http://schemas.microsoft.com/office/powerpoint/2010/main" val="2005125507"/>
-      </p:ext>
-    </p:extLst>
   </p:cSld>
   <p:clrMapOvr>
     <a:masterClrMapping/>
@@ -1076,13 +1053,7 @@
       </p:grpSpPr>
       <p:pic>
         <p:nvPicPr>
-          <p:cNvPr id="9" name="图片 8">
-            <a:extLst>
-              <a:ext uri="{FF2B5EF4-FFF2-40B4-BE49-F238E27FC236}">
-                <a16:creationId xmlns:a16="http://schemas.microsoft.com/office/drawing/2014/main" xmlns="" id="{B4C3FE49-CE2A-4C7A-A762-337F29E9E7B5}"/>
-              </a:ext>
-            </a:extLst>
-          </p:cNvPr>
+          <p:cNvPr id="9" name="图片 8"/>
           <p:cNvPicPr>
             <a:picLocks noChangeAspect="1"/>
           </p:cNvPicPr>
@@ -1160,8 +1131,8 @@
                 <a:solidFill>
                   <a:schemeClr val="bg1"/>
                 </a:solidFill>
-                <a:latin typeface="微软雅黑" pitchFamily="34" charset="-122"/>
-                <a:ea typeface="微软雅黑" pitchFamily="34" charset="-122"/>
+                <a:latin typeface="微软雅黑" panose="020B0503020204020204" pitchFamily="34" charset="-122"/>
+                <a:ea typeface="微软雅黑" panose="020B0503020204020204" pitchFamily="34" charset="-122"/>
               </a:defRPr>
             </a:lvl1pPr>
           </a:lstStyle>
@@ -1180,7 +1151,6 @@
               <a:buSzTx/>
               <a:buFontTx/>
               <a:buNone/>
-              <a:tabLst/>
               <a:defRPr/>
             </a:pPr>
             <a:r>
@@ -1216,6 +1186,14 @@
               </a:rPr>
               <a:t>号字体加粗</a:t>
             </a:r>
+            <a:endParaRPr lang="zh-CN" altLang="en-US" sz="5400" b="1" kern="1200" dirty="0" smtClean="0">
+              <a:solidFill>
+                <a:srgbClr val="194B87"/>
+              </a:solidFill>
+              <a:latin typeface="微软雅黑" panose="020B0503020204020204" pitchFamily="34" charset="-122"/>
+              <a:ea typeface="微软雅黑" panose="020B0503020204020204" pitchFamily="34" charset="-122"/>
+              <a:cs typeface="+mn-ea"/>
+            </a:endParaRPr>
           </a:p>
         </p:txBody>
       </p:sp>
@@ -1301,7 +1279,9 @@
             </a:extLst>
           </a:blip>
           <a:srcRect t="9596" b="20124"/>
-          <a:stretch/>
+          <a:stretch>
+            <a:fillRect/>
+          </a:stretch>
         </p:blipFill>
         <p:spPr>
           <a:xfrm>
@@ -1314,11 +1294,6 @@
         </p:spPr>
       </p:pic>
     </p:spTree>
-    <p:extLst>
-      <p:ext uri="{BB962C8B-B14F-4D97-AF65-F5344CB8AC3E}">
-        <p14:creationId xmlns:p14="http://schemas.microsoft.com/office/powerpoint/2010/main" val="2463106990"/>
-      </p:ext>
-    </p:extLst>
   </p:cSld>
   <p:clrMapOvr>
     <a:masterClrMapping/>
@@ -1352,13 +1327,7 @@
       </p:grpSpPr>
       <p:pic>
         <p:nvPicPr>
-          <p:cNvPr id="9" name="图片 8">
-            <a:extLst>
-              <a:ext uri="{FF2B5EF4-FFF2-40B4-BE49-F238E27FC236}">
-                <a16:creationId xmlns:a16="http://schemas.microsoft.com/office/drawing/2014/main" xmlns="" id="{B4C3FE49-CE2A-4C7A-A762-337F29E9E7B5}"/>
-              </a:ext>
-            </a:extLst>
-          </p:cNvPr>
+          <p:cNvPr id="9" name="图片 8"/>
           <p:cNvPicPr>
             <a:picLocks noChangeAspect="1"/>
           </p:cNvPicPr>
@@ -1482,7 +1451,9 @@
             </a:extLst>
           </a:blip>
           <a:srcRect t="9596" b="20124"/>
-          <a:stretch/>
+          <a:stretch>
+            <a:fillRect/>
+          </a:stretch>
         </p:blipFill>
         <p:spPr>
           <a:xfrm>
@@ -1495,11 +1466,6 @@
         </p:spPr>
       </p:pic>
     </p:spTree>
-    <p:extLst>
-      <p:ext uri="{BB962C8B-B14F-4D97-AF65-F5344CB8AC3E}">
-        <p14:creationId xmlns:p14="http://schemas.microsoft.com/office/powerpoint/2010/main" val="3376081002"/>
-      </p:ext>
-    </p:extLst>
   </p:cSld>
   <p:clrMapOvr>
     <a:masterClrMapping/>
@@ -1515,7 +1481,7 @@
 </file>
 
 <file path=ppt/slideLayouts/slideLayout13.xml><?xml version="1.0" encoding="utf-8"?>
-<p:sldLayout xmlns:a="http://schemas.openxmlformats.org/drawingml/2006/main" xmlns:r="http://schemas.openxmlformats.org/officeDocument/2006/relationships" xmlns:p="http://schemas.openxmlformats.org/presentationml/2006/main" showMasterSp="0" preserve="1" userDrawn="1">
+<p:sldLayout xmlns:a="http://schemas.openxmlformats.org/drawingml/2006/main" xmlns:r="http://schemas.openxmlformats.org/officeDocument/2006/relationships" xmlns:p="http://schemas.openxmlformats.org/presentationml/2006/main" preserve="1" showMasterSp="0" userDrawn="1">
   <p:cSld name="1_自定义版式">
     <p:spTree>
       <p:nvGrpSpPr>
@@ -1610,11 +1576,6 @@
         </p:spPr>
       </p:pic>
     </p:spTree>
-    <p:extLst>
-      <p:ext uri="{BB962C8B-B14F-4D97-AF65-F5344CB8AC3E}">
-        <p14:creationId xmlns:p14="http://schemas.microsoft.com/office/powerpoint/2010/main" val="2280716067"/>
-      </p:ext>
-    </p:extLst>
   </p:cSld>
   <p:clrMapOvr>
     <a:masterClrMapping/>
@@ -1630,7 +1591,7 @@
 </file>
 
 <file path=ppt/slideLayouts/slideLayout14.xml><?xml version="1.0" encoding="utf-8"?>
-<p:sldLayout xmlns:a="http://schemas.openxmlformats.org/drawingml/2006/main" xmlns:r="http://schemas.openxmlformats.org/officeDocument/2006/relationships" xmlns:p="http://schemas.openxmlformats.org/presentationml/2006/main" showMasterSp="0" preserve="1" userDrawn="1">
+<p:sldLayout xmlns:a="http://schemas.openxmlformats.org/drawingml/2006/main" xmlns:r="http://schemas.openxmlformats.org/officeDocument/2006/relationships" xmlns:p="http://schemas.openxmlformats.org/presentationml/2006/main" preserve="1" showMasterSp="0" userDrawn="1">
   <p:cSld name="4_标题幻灯片">
     <p:spTree>
       <p:nvGrpSpPr>
@@ -2005,11 +1966,6 @@
         </p:spPr>
       </p:pic>
     </p:spTree>
-    <p:extLst>
-      <p:ext uri="{BB962C8B-B14F-4D97-AF65-F5344CB8AC3E}">
-        <p14:creationId xmlns:p14="http://schemas.microsoft.com/office/powerpoint/2010/main" val="3270104482"/>
-      </p:ext>
-    </p:extLst>
   </p:cSld>
   <p:clrMapOvr>
     <a:masterClrMapping/>
@@ -2212,11 +2168,6 @@
         </p:spPr>
       </p:pic>
     </p:spTree>
-    <p:extLst>
-      <p:ext uri="{BB962C8B-B14F-4D97-AF65-F5344CB8AC3E}">
-        <p14:creationId xmlns:p14="http://schemas.microsoft.com/office/powerpoint/2010/main" val="2684045518"/>
-      </p:ext>
-    </p:extLst>
   </p:cSld>
   <p:clrMapOvr>
     <a:masterClrMapping/>
@@ -2232,7 +2183,7 @@
 </file>
 
 <file path=ppt/slideLayouts/slideLayout16.xml><?xml version="1.0" encoding="utf-8"?>
-<p:sldLayout xmlns:a="http://schemas.openxmlformats.org/drawingml/2006/main" xmlns:r="http://schemas.openxmlformats.org/officeDocument/2006/relationships" xmlns:p="http://schemas.openxmlformats.org/presentationml/2006/main" showMasterSp="0" preserve="1" userDrawn="1">
+<p:sldLayout xmlns:a="http://schemas.openxmlformats.org/drawingml/2006/main" xmlns:r="http://schemas.openxmlformats.org/officeDocument/2006/relationships" xmlns:p="http://schemas.openxmlformats.org/presentationml/2006/main" preserve="1" showMasterSp="0" userDrawn="1">
   <p:cSld name="自定义版式">
     <p:spTree>
       <p:nvGrpSpPr>
@@ -2419,11 +2370,6 @@
         </p:spPr>
       </p:pic>
     </p:spTree>
-    <p:extLst>
-      <p:ext uri="{BB962C8B-B14F-4D97-AF65-F5344CB8AC3E}">
-        <p14:creationId xmlns:p14="http://schemas.microsoft.com/office/powerpoint/2010/main" val="2779418107"/>
-      </p:ext>
-    </p:extLst>
   </p:cSld>
   <p:clrMapOvr>
     <a:masterClrMapping/>
@@ -2456,11 +2402,6 @@
         </a:xfrm>
       </p:grpSpPr>
     </p:spTree>
-    <p:extLst>
-      <p:ext uri="{BB962C8B-B14F-4D97-AF65-F5344CB8AC3E}">
-        <p14:creationId xmlns:p14="http://schemas.microsoft.com/office/powerpoint/2010/main" val="865456891"/>
-      </p:ext>
-    </p:extLst>
   </p:cSld>
   <p:clrMapOvr>
     <a:masterClrMapping/>
@@ -2476,7 +2417,7 @@
 </file>
 
 <file path=ppt/slideLayouts/slideLayout18.xml><?xml version="1.0" encoding="utf-8"?>
-<p:sldLayout xmlns:a="http://schemas.openxmlformats.org/drawingml/2006/main" xmlns:r="http://schemas.openxmlformats.org/officeDocument/2006/relationships" xmlns:p="http://schemas.openxmlformats.org/presentationml/2006/main" showMasterSp="0" preserve="1" userDrawn="1">
+<p:sldLayout xmlns:a="http://schemas.openxmlformats.org/drawingml/2006/main" xmlns:r="http://schemas.openxmlformats.org/officeDocument/2006/relationships" xmlns:p="http://schemas.openxmlformats.org/presentationml/2006/main" preserve="1" showMasterSp="0" userDrawn="1">
   <p:cSld name="2_标题幻灯片">
     <p:spTree>
       <p:nvGrpSpPr>
@@ -2523,7 +2464,9 @@
               </a:extLst>
             </a:blip>
             <a:srcRect t="18342" r="6256" b="14753"/>
-            <a:stretch/>
+            <a:stretch>
+              <a:fillRect/>
+            </a:stretch>
           </p:blipFill>
           <p:spPr>
             <a:xfrm>
@@ -2552,7 +2495,9 @@
               </a:extLst>
             </a:blip>
             <a:srcRect t="33014"/>
-            <a:stretch/>
+            <a:stretch>
+              <a:fillRect/>
+            </a:stretch>
           </p:blipFill>
           <p:spPr>
             <a:xfrm>
@@ -2581,7 +2526,9 @@
               </a:extLst>
             </a:blip>
             <a:srcRect t="25598" b="7417"/>
-            <a:stretch/>
+            <a:stretch>
+              <a:fillRect/>
+            </a:stretch>
           </p:blipFill>
           <p:spPr>
             <a:xfrm>
@@ -2610,7 +2557,9 @@
               </a:extLst>
             </a:blip>
             <a:srcRect t="20573" b="12521"/>
-            <a:stretch/>
+            <a:stretch>
+              <a:fillRect/>
+            </a:stretch>
           </p:blipFill>
           <p:spPr>
             <a:xfrm>
@@ -2639,7 +2588,9 @@
               </a:extLst>
             </a:blip>
             <a:srcRect t="33014"/>
-            <a:stretch/>
+            <a:stretch>
+              <a:fillRect/>
+            </a:stretch>
           </p:blipFill>
           <p:spPr>
             <a:xfrm>
@@ -2654,13 +2605,7 @@
       </p:grpSp>
       <p:pic>
         <p:nvPicPr>
-          <p:cNvPr id="23" name="图片 22">
-            <a:extLst>
-              <a:ext uri="{FF2B5EF4-FFF2-40B4-BE49-F238E27FC236}">
-                <a16:creationId xmlns:a16="http://schemas.microsoft.com/office/drawing/2014/main" xmlns="" id="{B4C3FE49-CE2A-4C7A-A762-337F29E9E7B5}"/>
-              </a:ext>
-            </a:extLst>
-          </p:cNvPr>
+          <p:cNvPr id="23" name="图片 22"/>
           <p:cNvPicPr>
             <a:picLocks noChangeAspect="1"/>
           </p:cNvPicPr>
@@ -2689,7 +2634,9 @@
             </a:extLst>
           </a:blip>
           <a:srcRect t="21296" b="9257"/>
-          <a:stretch/>
+          <a:stretch>
+            <a:fillRect/>
+          </a:stretch>
         </p:blipFill>
         <p:spPr>
           <a:xfrm rot="5400000">
@@ -2778,6 +2725,13 @@
               </a:rPr>
               <a:t>方案提供商</a:t>
             </a:r>
+            <a:endParaRPr lang="zh-CN" altLang="en-US" dirty="0" smtClean="0">
+              <a:solidFill>
+                <a:schemeClr val="bg1"/>
+              </a:solidFill>
+              <a:latin typeface="黑体" panose="02010609060101010101" pitchFamily="49" charset="-122"/>
+              <a:ea typeface="黑体" panose="02010609060101010101" pitchFamily="49" charset="-122"/>
+            </a:endParaRPr>
           </a:p>
         </p:txBody>
       </p:sp>
@@ -2817,8 +2771,8 @@
                 <a:solidFill>
                   <a:schemeClr val="bg1"/>
                 </a:solidFill>
-                <a:latin typeface="微软雅黑" pitchFamily="34" charset="-122"/>
-                <a:ea typeface="微软雅黑" pitchFamily="34" charset="-122"/>
+                <a:latin typeface="微软雅黑" panose="020B0503020204020204" pitchFamily="34" charset="-122"/>
+                <a:ea typeface="微软雅黑" panose="020B0503020204020204" pitchFamily="34" charset="-122"/>
               </a:defRPr>
             </a:lvl1pPr>
           </a:lstStyle>
@@ -2872,11 +2826,6 @@
         </p:spPr>
       </p:pic>
     </p:spTree>
-    <p:extLst>
-      <p:ext uri="{BB962C8B-B14F-4D97-AF65-F5344CB8AC3E}">
-        <p14:creationId xmlns:p14="http://schemas.microsoft.com/office/powerpoint/2010/main" val="2795270662"/>
-      </p:ext>
-    </p:extLst>
   </p:cSld>
   <p:clrMapOvr>
     <a:masterClrMapping/>
@@ -2910,13 +2859,7 @@
       </p:grpSpPr>
       <p:grpSp>
         <p:nvGrpSpPr>
-          <p:cNvPr id="7" name="组合 6">
-            <a:extLst>
-              <a:ext uri="{FF2B5EF4-FFF2-40B4-BE49-F238E27FC236}">
-                <a16:creationId xmlns:a16="http://schemas.microsoft.com/office/drawing/2014/main" xmlns="" id="{CF5B539F-BFF9-48F7-A096-7240D608014D}"/>
-              </a:ext>
-            </a:extLst>
-          </p:cNvPr>
+          <p:cNvPr id="7" name="组合 6"/>
           <p:cNvGrpSpPr/>
           <p:nvPr userDrawn="1"/>
         </p:nvGrpSpPr>
@@ -3108,11 +3051,6 @@
         </p:spPr>
       </p:pic>
     </p:spTree>
-    <p:extLst>
-      <p:ext uri="{BB962C8B-B14F-4D97-AF65-F5344CB8AC3E}">
-        <p14:creationId xmlns:p14="http://schemas.microsoft.com/office/powerpoint/2010/main" val="1849368644"/>
-      </p:ext>
-    </p:extLst>
   </p:cSld>
   <p:clrMapOvr>
     <a:masterClrMapping/>
@@ -3128,7 +3066,7 @@
 </file>
 
 <file path=ppt/slideLayouts/slideLayout3.xml><?xml version="1.0" encoding="utf-8"?>
-<p:sldLayout xmlns:a="http://schemas.openxmlformats.org/drawingml/2006/main" xmlns:r="http://schemas.openxmlformats.org/officeDocument/2006/relationships" xmlns:p="http://schemas.openxmlformats.org/presentationml/2006/main" showMasterSp="0" preserve="1">
+<p:sldLayout xmlns:a="http://schemas.openxmlformats.org/drawingml/2006/main" xmlns:r="http://schemas.openxmlformats.org/officeDocument/2006/relationships" xmlns:p="http://schemas.openxmlformats.org/presentationml/2006/main" preserve="1" showMasterSp="0">
   <p:cSld name="自定义版式">
     <p:spTree>
       <p:nvGrpSpPr>
@@ -3195,23 +3133,24 @@
                 <a:solidFill>
                   <a:prstClr val="white"/>
                 </a:solidFill>
-                <a:ea typeface="微软雅黑" pitchFamily="34" charset="-122"/>
-                <a:cs typeface="Arial" pitchFamily="34" charset="0"/>
+                <a:ea typeface="微软雅黑" panose="020B0503020204020204" pitchFamily="34" charset="-122"/>
+                <a:cs typeface="Arial" panose="020B0604020202020204" pitchFamily="34" charset="0"/>
               </a:rPr>
               <a:t>Lorem ipsum dolor sit amet consectetur adipisicing</a:t>
             </a:r>
+            <a:endParaRPr lang="en-US" altLang="zh-CN" sz="1050" kern="0">
+              <a:solidFill>
+                <a:prstClr val="white"/>
+              </a:solidFill>
+              <a:ea typeface="微软雅黑" panose="020B0503020204020204" pitchFamily="34" charset="-122"/>
+              <a:cs typeface="Arial" panose="020B0604020202020204" pitchFamily="34" charset="0"/>
+            </a:endParaRPr>
           </a:p>
         </p:txBody>
       </p:sp>
       <p:pic>
         <p:nvPicPr>
-          <p:cNvPr id="5" name="图片 4">
-            <a:extLst>
-              <a:ext uri="{FF2B5EF4-FFF2-40B4-BE49-F238E27FC236}">
-                <a16:creationId xmlns:a16="http://schemas.microsoft.com/office/drawing/2014/main" xmlns="" id="{B4C3FE49-CE2A-4C7A-A762-337F29E9E7B5}"/>
-              </a:ext>
-            </a:extLst>
-          </p:cNvPr>
+          <p:cNvPr id="5" name="图片 4"/>
           <p:cNvPicPr>
             <a:picLocks noChangeAspect="1"/>
           </p:cNvPicPr>
@@ -3250,7 +3189,9 @@
             </a:extLst>
           </a:blip>
           <a:srcRect t="9596" b="20124"/>
-          <a:stretch/>
+          <a:stretch>
+            <a:fillRect/>
+          </a:stretch>
         </p:blipFill>
         <p:spPr>
           <a:xfrm>
@@ -3293,11 +3234,6 @@
         </p:spPr>
       </p:pic>
     </p:spTree>
-    <p:extLst>
-      <p:ext uri="{BB962C8B-B14F-4D97-AF65-F5344CB8AC3E}">
-        <p14:creationId xmlns:p14="http://schemas.microsoft.com/office/powerpoint/2010/main" val="308650156"/>
-      </p:ext>
-    </p:extLst>
   </p:cSld>
   <p:clrMapOvr>
     <a:masterClrMapping/>
@@ -3313,7 +3249,7 @@
 </file>
 
 <file path=ppt/slideLayouts/slideLayout4.xml><?xml version="1.0" encoding="utf-8"?>
-<p:sldLayout xmlns:a="http://schemas.openxmlformats.org/drawingml/2006/main" xmlns:r="http://schemas.openxmlformats.org/officeDocument/2006/relationships" xmlns:p="http://schemas.openxmlformats.org/presentationml/2006/main" showMasterSp="0" preserve="1">
+<p:sldLayout xmlns:a="http://schemas.openxmlformats.org/drawingml/2006/main" xmlns:r="http://schemas.openxmlformats.org/officeDocument/2006/relationships" xmlns:p="http://schemas.openxmlformats.org/presentationml/2006/main" preserve="1" showMasterSp="0">
   <p:cSld name="1_自定义版式">
     <p:spTree>
       <p:nvGrpSpPr>
@@ -3380,23 +3316,24 @@
                 <a:solidFill>
                   <a:prstClr val="white"/>
                 </a:solidFill>
-                <a:ea typeface="微软雅黑" pitchFamily="34" charset="-122"/>
-                <a:cs typeface="Arial" pitchFamily="34" charset="0"/>
+                <a:ea typeface="微软雅黑" panose="020B0503020204020204" pitchFamily="34" charset="-122"/>
+                <a:cs typeface="Arial" panose="020B0604020202020204" pitchFamily="34" charset="0"/>
               </a:rPr>
               <a:t>Lorem ipsum dolor sit amet consectetur adipisicing</a:t>
             </a:r>
+            <a:endParaRPr lang="en-US" altLang="zh-CN" sz="1050" kern="0">
+              <a:solidFill>
+                <a:prstClr val="white"/>
+              </a:solidFill>
+              <a:ea typeface="微软雅黑" panose="020B0503020204020204" pitchFamily="34" charset="-122"/>
+              <a:cs typeface="Arial" panose="020B0604020202020204" pitchFamily="34" charset="0"/>
+            </a:endParaRPr>
           </a:p>
         </p:txBody>
       </p:sp>
       <p:pic>
         <p:nvPicPr>
-          <p:cNvPr id="5" name="图片 4">
-            <a:extLst>
-              <a:ext uri="{FF2B5EF4-FFF2-40B4-BE49-F238E27FC236}">
-                <a16:creationId xmlns:a16="http://schemas.microsoft.com/office/drawing/2014/main" xmlns="" id="{B4C3FE49-CE2A-4C7A-A762-337F29E9E7B5}"/>
-              </a:ext>
-            </a:extLst>
-          </p:cNvPr>
+          <p:cNvPr id="5" name="图片 4"/>
           <p:cNvPicPr>
             <a:picLocks noChangeAspect="1"/>
           </p:cNvPicPr>
@@ -3449,11 +3386,6 @@
         </p:spPr>
       </p:pic>
     </p:spTree>
-    <p:extLst>
-      <p:ext uri="{BB962C8B-B14F-4D97-AF65-F5344CB8AC3E}">
-        <p14:creationId xmlns:p14="http://schemas.microsoft.com/office/powerpoint/2010/main" val="4082109685"/>
-      </p:ext>
-    </p:extLst>
   </p:cSld>
   <p:clrMapOvr>
     <a:masterClrMapping/>
@@ -3469,7 +3401,7 @@
 </file>
 
 <file path=ppt/slideLayouts/slideLayout5.xml><?xml version="1.0" encoding="utf-8"?>
-<p:sldLayout xmlns:a="http://schemas.openxmlformats.org/drawingml/2006/main" xmlns:r="http://schemas.openxmlformats.org/officeDocument/2006/relationships" xmlns:p="http://schemas.openxmlformats.org/presentationml/2006/main" showMasterSp="0" preserve="1" userDrawn="1">
+<p:sldLayout xmlns:a="http://schemas.openxmlformats.org/drawingml/2006/main" xmlns:r="http://schemas.openxmlformats.org/officeDocument/2006/relationships" xmlns:p="http://schemas.openxmlformats.org/presentationml/2006/main" preserve="1" showMasterSp="0" userDrawn="1">
   <p:cSld name="标题幻灯片">
     <p:spTree>
       <p:nvGrpSpPr>
@@ -3564,11 +3496,6 @@
         </p:spPr>
       </p:pic>
     </p:spTree>
-    <p:extLst>
-      <p:ext uri="{BB962C8B-B14F-4D97-AF65-F5344CB8AC3E}">
-        <p14:creationId xmlns:p14="http://schemas.microsoft.com/office/powerpoint/2010/main" val="1096930433"/>
-      </p:ext>
-    </p:extLst>
   </p:cSld>
   <p:clrMapOvr>
     <a:masterClrMapping/>
@@ -3929,11 +3856,6 @@
         </p:txBody>
       </p:sp>
     </p:spTree>
-    <p:extLst>
-      <p:ext uri="{BB962C8B-B14F-4D97-AF65-F5344CB8AC3E}">
-        <p14:creationId xmlns:p14="http://schemas.microsoft.com/office/powerpoint/2010/main" val="3642707301"/>
-      </p:ext>
-    </p:extLst>
   </p:cSld>
   <p:clrMapOvr>
     <a:masterClrMapping/>
@@ -3949,7 +3871,7 @@
 </file>
 
 <file path=ppt/slideLayouts/slideLayout7.xml><?xml version="1.0" encoding="utf-8"?>
-<p:sldLayout xmlns:a="http://schemas.openxmlformats.org/drawingml/2006/main" xmlns:r="http://schemas.openxmlformats.org/officeDocument/2006/relationships" xmlns:p="http://schemas.openxmlformats.org/presentationml/2006/main" showMasterSp="0" preserve="1" userDrawn="1">
+<p:sldLayout xmlns:a="http://schemas.openxmlformats.org/drawingml/2006/main" xmlns:r="http://schemas.openxmlformats.org/officeDocument/2006/relationships" xmlns:p="http://schemas.openxmlformats.org/presentationml/2006/main" preserve="1" showMasterSp="0" userDrawn="1">
   <p:cSld name="1_标题幻灯片">
     <p:spTree>
       <p:nvGrpSpPr>
@@ -4168,11 +4090,6 @@
         </p:spPr>
       </p:pic>
     </p:spTree>
-    <p:extLst>
-      <p:ext uri="{BB962C8B-B14F-4D97-AF65-F5344CB8AC3E}">
-        <p14:creationId xmlns:p14="http://schemas.microsoft.com/office/powerpoint/2010/main" val="1246073364"/>
-      </p:ext>
-    </p:extLst>
   </p:cSld>
   <p:clrMapOvr>
     <a:masterClrMapping/>
@@ -4345,11 +4262,6 @@
         </p:txBody>
       </p:sp>
     </p:spTree>
-    <p:extLst>
-      <p:ext uri="{BB962C8B-B14F-4D97-AF65-F5344CB8AC3E}">
-        <p14:creationId xmlns:p14="http://schemas.microsoft.com/office/powerpoint/2010/main" val="3727179007"/>
-      </p:ext>
-    </p:extLst>
   </p:cSld>
   <p:clrMapOvr>
     <a:masterClrMapping/>
@@ -4382,11 +4294,6 @@
         </a:xfrm>
       </p:grpSpPr>
     </p:spTree>
-    <p:extLst>
-      <p:ext uri="{BB962C8B-B14F-4D97-AF65-F5344CB8AC3E}">
-        <p14:creationId xmlns:p14="http://schemas.microsoft.com/office/powerpoint/2010/main" val="2749374255"/>
-      </p:ext>
-    </p:extLst>
   </p:cSld>
   <p:clrMapOvr>
     <a:masterClrMapping/>
@@ -4407,7 +4314,7 @@
     <p:bg>
       <p:bgPr>
         <a:blipFill dpi="0" rotWithShape="1">
-          <a:blip r:embed="rId12">
+          <a:blip r:embed="rId11">
             <a:lum/>
           </a:blip>
           <a:srcRect/>
@@ -4441,7 +4348,7 @@
           <p:nvPr userDrawn="1"/>
         </p:nvPicPr>
         <p:blipFill>
-          <a:blip r:embed="rId13" cstate="print">
+          <a:blip r:embed="rId12" cstate="print">
             <a:extLst>
               <a:ext uri="{28A0092B-C50C-407E-A947-70E740481C1C}">
                 <a14:useLocalDpi xmlns:a14="http://schemas.microsoft.com/office/drawing/2010/main" val="0"/>
@@ -4463,24 +4370,19 @@
         </p:spPr>
       </p:pic>
     </p:spTree>
-    <p:extLst>
-      <p:ext uri="{BB962C8B-B14F-4D97-AF65-F5344CB8AC3E}">
-        <p14:creationId xmlns:p14="http://schemas.microsoft.com/office/powerpoint/2010/main" val="559298179"/>
-      </p:ext>
-    </p:extLst>
   </p:cSld>
   <p:clrMap bg1="lt1" tx1="dk1" bg2="lt2" tx2="dk2" accent1="accent1" accent2="accent2" accent3="accent3" accent4="accent4" accent5="accent5" accent6="accent6" hlink="hlink" folHlink="folHlink"/>
   <p:sldLayoutIdLst>
-    <p:sldLayoutId id="2147483711" r:id="rId1"/>
-    <p:sldLayoutId id="2147483725" r:id="rId2"/>
-    <p:sldLayoutId id="2147483704" r:id="rId3"/>
-    <p:sldLayoutId id="2147483717" r:id="rId4"/>
-    <p:sldLayoutId id="2147483703" r:id="rId5"/>
-    <p:sldLayoutId id="2147483708" r:id="rId6"/>
-    <p:sldLayoutId id="2147483707" r:id="rId7"/>
-    <p:sldLayoutId id="2147483709" r:id="rId8"/>
-    <p:sldLayoutId id="2147483712" r:id="rId9"/>
-    <p:sldLayoutId id="2147483719" r:id="rId10"/>
+    <p:sldLayoutId id="2147483649" r:id="rId1"/>
+    <p:sldLayoutId id="2147483650" r:id="rId2"/>
+    <p:sldLayoutId id="2147483651" r:id="rId3"/>
+    <p:sldLayoutId id="2147483652" r:id="rId4"/>
+    <p:sldLayoutId id="2147483653" r:id="rId5"/>
+    <p:sldLayoutId id="2147483654" r:id="rId6"/>
+    <p:sldLayoutId id="2147483655" r:id="rId7"/>
+    <p:sldLayoutId id="2147483656" r:id="rId8"/>
+    <p:sldLayoutId id="2147483657" r:id="rId9"/>
+    <p:sldLayoutId id="2147483658" r:id="rId10"/>
   </p:sldLayoutIdLst>
   <p:timing>
     <p:tnLst>
@@ -4769,42 +4671,6 @@
       </a:lvl9pPr>
     </p:otherStyle>
   </p:txStyles>
-  <p:extLst mod="1">
-    <p:ext uri="{27BBF7A9-308A-43DC-89C8-2F10F3537804}">
-      <p15:sldGuideLst xmlns:p15="http://schemas.microsoft.com/office/powerpoint/2012/main">
-        <p15:guide id="1" pos="422" userDrawn="1">
-          <p15:clr>
-            <a:srgbClr val="F26B43"/>
-          </p15:clr>
-        </p15:guide>
-        <p15:guide id="2" pos="7257" userDrawn="1">
-          <p15:clr>
-            <a:srgbClr val="F26B43"/>
-          </p15:clr>
-        </p15:guide>
-        <p15:guide id="3" orient="horz" pos="648" userDrawn="1">
-          <p15:clr>
-            <a:srgbClr val="F26B43"/>
-          </p15:clr>
-        </p15:guide>
-        <p15:guide id="4" orient="horz" pos="712" userDrawn="1">
-          <p15:clr>
-            <a:srgbClr val="F26B43"/>
-          </p15:clr>
-        </p15:guide>
-        <p15:guide id="5" orient="horz" pos="3931" userDrawn="1">
-          <p15:clr>
-            <a:srgbClr val="F26B43"/>
-          </p15:clr>
-        </p15:guide>
-        <p15:guide id="6" orient="horz" pos="3866" userDrawn="1">
-          <p15:clr>
-            <a:srgbClr val="F26B43"/>
-          </p15:clr>
-        </p15:guide>
-      </p15:sldGuideLst>
-    </p:ext>
-  </p:extLst>
 </p:sldMaster>
 </file>
 
@@ -4839,7 +4705,7 @@
           <p:nvPr userDrawn="1"/>
         </p:nvPicPr>
         <p:blipFill>
-          <a:blip r:embed="rId10" cstate="print">
+          <a:blip r:embed="rId9" cstate="print">
             <a:extLst>
               <a:ext uri="{28A0092B-C50C-407E-A947-70E740481C1C}">
                 <a14:useLocalDpi xmlns:a14="http://schemas.microsoft.com/office/drawing/2010/main" val="0"/>
@@ -4861,22 +4727,17 @@
         </p:spPr>
       </p:pic>
     </p:spTree>
-    <p:extLst>
-      <p:ext uri="{BB962C8B-B14F-4D97-AF65-F5344CB8AC3E}">
-        <p14:creationId xmlns:p14="http://schemas.microsoft.com/office/powerpoint/2010/main" val="3635737184"/>
-      </p:ext>
-    </p:extLst>
   </p:cSld>
   <p:clrMap bg1="lt1" tx1="dk1" bg2="lt2" tx2="dk2" accent1="accent1" accent2="accent2" accent3="accent3" accent4="accent4" accent5="accent5" accent6="accent6" hlink="hlink" folHlink="folHlink"/>
   <p:sldLayoutIdLst>
-    <p:sldLayoutId id="2147483720" r:id="rId1"/>
-    <p:sldLayoutId id="2147483726" r:id="rId2"/>
-    <p:sldLayoutId id="2147483723" r:id="rId3"/>
-    <p:sldLayoutId id="2147483721" r:id="rId4"/>
-    <p:sldLayoutId id="2147483716" r:id="rId5"/>
-    <p:sldLayoutId id="2147483722" r:id="rId6"/>
-    <p:sldLayoutId id="2147483724" r:id="rId7"/>
-    <p:sldLayoutId id="2147483718" r:id="rId8"/>
+    <p:sldLayoutId id="2147483660" r:id="rId1"/>
+    <p:sldLayoutId id="2147483661" r:id="rId2"/>
+    <p:sldLayoutId id="2147483662" r:id="rId3"/>
+    <p:sldLayoutId id="2147483663" r:id="rId4"/>
+    <p:sldLayoutId id="2147483664" r:id="rId5"/>
+    <p:sldLayoutId id="2147483665" r:id="rId6"/>
+    <p:sldLayoutId id="2147483666" r:id="rId7"/>
+    <p:sldLayoutId id="2147483667" r:id="rId8"/>
   </p:sldLayoutIdLst>
   <p:timing>
     <p:tnLst>
@@ -5193,8 +5054,8 @@
         </p:nvSpPr>
         <p:spPr>
           <a:xfrm>
-            <a:off x="2364258" y="3220995"/>
-            <a:ext cx="7269939" cy="923330"/>
+            <a:off x="2246783" y="3220995"/>
+            <a:ext cx="6764020" cy="1753235"/>
           </a:xfrm>
           <a:prstGeom prst="rect">
             <a:avLst/>
@@ -5202,52 +5063,53 @@
           <a:noFill/>
         </p:spPr>
         <p:txBody>
-          <a:bodyPr wrap="none" rtlCol="0">
+          <a:bodyPr wrap="square" rtlCol="0">
             <a:spAutoFit/>
           </a:bodyPr>
           <a:lstStyle/>
           <a:p>
+            <a:pPr algn="ctr"/>
             <a:r>
-              <a:rPr lang="zh-CN" altLang="en-US" sz="5400" b="1" dirty="0">
+              <a:rPr lang="en-US" altLang="zh-CN" sz="5400" b="1" dirty="0">
                 <a:solidFill>
                   <a:schemeClr val="bg1"/>
                 </a:solidFill>
                 <a:latin typeface="+mj-ea"/>
                 <a:ea typeface="+mj-ea"/>
               </a:rPr>
-              <a:t>微软雅</a:t>
+              <a:t>  </a:t>
             </a:r>
             <a:r>
-              <a:rPr lang="zh-CN" altLang="en-US" sz="5400" b="1" dirty="0" smtClean="0">
+              <a:rPr lang="zh-CN" altLang="en-US" sz="5400" b="1" dirty="0">
                 <a:solidFill>
                   <a:schemeClr val="bg1"/>
                 </a:solidFill>
                 <a:latin typeface="+mj-ea"/>
                 <a:ea typeface="+mj-ea"/>
               </a:rPr>
-              <a:t>黑</a:t>
+              <a:t>微</a:t>
             </a:r>
             <a:r>
-              <a:rPr lang="en-US" altLang="zh-CN" sz="5400" b="1" dirty="0" smtClean="0">
+              <a:rPr lang="zh-CN" sz="5400" b="1" dirty="0">
                 <a:solidFill>
                   <a:schemeClr val="bg1"/>
                 </a:solidFill>
                 <a:latin typeface="+mj-ea"/>
                 <a:ea typeface="+mj-ea"/>
               </a:rPr>
-              <a:t>54</a:t>
+              <a:t>信小程序初级入门</a:t>
             </a:r>
-            <a:r>
-              <a:rPr lang="zh-CN" altLang="en-US" sz="5400" b="1" dirty="0" smtClean="0">
-                <a:solidFill>
-                  <a:schemeClr val="bg1"/>
-                </a:solidFill>
-                <a:latin typeface="+mj-ea"/>
-                <a:ea typeface="+mj-ea"/>
-              </a:rPr>
-              <a:t>号字体加粗</a:t>
-            </a:r>
-            <a:endParaRPr lang="zh-CN" altLang="en-US" sz="5400" b="1" dirty="0">
+            <a:endParaRPr lang="zh-CN" sz="5400" b="1" dirty="0">
+              <a:solidFill>
+                <a:schemeClr val="bg1"/>
+              </a:solidFill>
+              <a:latin typeface="+mj-ea"/>
+              <a:ea typeface="+mj-ea"/>
+            </a:endParaRPr>
+          </a:p>
+          <a:p>
+            <a:pPr algn="ctr"/>
+            <a:endParaRPr lang="en-US" altLang="zh-CN" sz="5400" b="1" dirty="0">
               <a:solidFill>
                 <a:schemeClr val="bg1"/>
               </a:solidFill>
@@ -5258,11 +5120,6 @@
         </p:txBody>
       </p:sp>
     </p:spTree>
-    <p:extLst>
-      <p:ext uri="{BB962C8B-B14F-4D97-AF65-F5344CB8AC3E}">
-        <p14:creationId xmlns:p14="http://schemas.microsoft.com/office/powerpoint/2010/main" val="3364267477"/>
-      </p:ext>
-    </p:extLst>
   </p:cSld>
   <p:clrMapOvr>
     <a:masterClrMapping/>
@@ -5356,15 +5213,17 @@
               </a:rPr>
               <a:t>号字体加粗</a:t>
             </a:r>
+            <a:endParaRPr lang="zh-CN" altLang="en-US" sz="5400" b="1" dirty="0">
+              <a:solidFill>
+                <a:srgbClr val="485C77"/>
+              </a:solidFill>
+              <a:latin typeface="微软雅黑" panose="020B0503020204020204" pitchFamily="34" charset="-122"/>
+              <a:ea typeface="微软雅黑" panose="020B0503020204020204" pitchFamily="34" charset="-122"/>
+            </a:endParaRPr>
           </a:p>
         </p:txBody>
       </p:sp>
     </p:spTree>
-    <p:extLst>
-      <p:ext uri="{BB962C8B-B14F-4D97-AF65-F5344CB8AC3E}">
-        <p14:creationId xmlns:p14="http://schemas.microsoft.com/office/powerpoint/2010/main" val="367871090"/>
-      </p:ext>
-    </p:extLst>
   </p:cSld>
   <p:clrMapOvr>
     <a:masterClrMapping/>
@@ -5390,11 +5249,6 @@
         </a:xfrm>
       </p:grpSpPr>
     </p:spTree>
-    <p:extLst>
-      <p:ext uri="{BB962C8B-B14F-4D97-AF65-F5344CB8AC3E}">
-        <p14:creationId xmlns:p14="http://schemas.microsoft.com/office/powerpoint/2010/main" val="2101912706"/>
-      </p:ext>
-    </p:extLst>
   </p:cSld>
   <p:clrMapOvr>
     <a:masterClrMapping/>
@@ -5420,11 +5274,6 @@
         </a:xfrm>
       </p:grpSpPr>
     </p:spTree>
-    <p:extLst>
-      <p:ext uri="{BB962C8B-B14F-4D97-AF65-F5344CB8AC3E}">
-        <p14:creationId xmlns:p14="http://schemas.microsoft.com/office/powerpoint/2010/main" val="1706069572"/>
-      </p:ext>
-    </p:extLst>
   </p:cSld>
   <p:clrMapOvr>
     <a:masterClrMapping/>
@@ -5450,11 +5299,6 @@
         </a:xfrm>
       </p:grpSpPr>
     </p:spTree>
-    <p:extLst>
-      <p:ext uri="{BB962C8B-B14F-4D97-AF65-F5344CB8AC3E}">
-        <p14:creationId xmlns:p14="http://schemas.microsoft.com/office/powerpoint/2010/main" val="963950440"/>
-      </p:ext>
-    </p:extLst>
   </p:cSld>
   <p:clrMapOvr>
     <a:masterClrMapping/>
@@ -5480,11 +5324,6 @@
         </a:xfrm>
       </p:grpSpPr>
     </p:spTree>
-    <p:extLst>
-      <p:ext uri="{BB962C8B-B14F-4D97-AF65-F5344CB8AC3E}">
-        <p14:creationId xmlns:p14="http://schemas.microsoft.com/office/powerpoint/2010/main" val="3817200145"/>
-      </p:ext>
-    </p:extLst>
   </p:cSld>
   <p:clrMapOvr>
     <a:masterClrMapping/>
@@ -5510,11 +5349,6 @@
         </a:xfrm>
       </p:grpSpPr>
     </p:spTree>
-    <p:extLst>
-      <p:ext uri="{BB962C8B-B14F-4D97-AF65-F5344CB8AC3E}">
-        <p14:creationId xmlns:p14="http://schemas.microsoft.com/office/powerpoint/2010/main" val="1423228584"/>
-      </p:ext>
-    </p:extLst>
   </p:cSld>
   <p:clrMapOvr>
     <a:masterClrMapping/>
@@ -5540,11 +5374,6 @@
         </a:xfrm>
       </p:grpSpPr>
     </p:spTree>
-    <p:extLst>
-      <p:ext uri="{BB962C8B-B14F-4D97-AF65-F5344CB8AC3E}">
-        <p14:creationId xmlns:p14="http://schemas.microsoft.com/office/powerpoint/2010/main" val="120560023"/>
-      </p:ext>
-    </p:extLst>
   </p:cSld>
   <p:clrMapOvr>
     <a:masterClrMapping/>
@@ -5569,12 +5398,125 @@
           <a:chExt cx="0" cy="0"/>
         </a:xfrm>
       </p:grpSpPr>
+      <p:sp>
+        <p:nvSpPr>
+          <p:cNvPr id="3" name="文本框 2"/>
+          <p:cNvSpPr txBox="1"/>
+          <p:nvPr/>
+        </p:nvSpPr>
+        <p:spPr>
+          <a:xfrm>
+            <a:off x="2503805" y="1167130"/>
+            <a:ext cx="9577705" cy="1630045"/>
+          </a:xfrm>
+          <a:prstGeom prst="rect">
+            <a:avLst/>
+          </a:prstGeom>
+          <a:noFill/>
+        </p:spPr>
+        <p:txBody>
+          <a:bodyPr wrap="none" rtlCol="0">
+            <a:spAutoFit/>
+          </a:bodyPr>
+          <a:p>
+            <a:pPr algn="l"/>
+            <a:r>
+              <a:rPr lang="en-US" altLang="zh-CN" sz="5400">
+                <a:latin typeface="+mj-ea"/>
+                <a:ea typeface="+mj-ea"/>
+                <a:cs typeface="+mj-ea"/>
+              </a:rPr>
+              <a:t>1:</a:t>
+            </a:r>
+            <a:r>
+              <a:rPr lang="en-US" altLang="zh-CN" sz="5400">
+                <a:latin typeface="+mj-ea"/>
+                <a:ea typeface="+mj-ea"/>
+                <a:cs typeface="+mj-ea"/>
+              </a:rPr>
+              <a:t>  </a:t>
+            </a:r>
+            <a:r>
+              <a:rPr lang="zh-CN" altLang="en-US" sz="5400">
+                <a:latin typeface="+mj-ea"/>
+                <a:ea typeface="+mj-ea"/>
+                <a:cs typeface="+mj-ea"/>
+              </a:rPr>
+              <a:t>小程序开发环境搭建</a:t>
+            </a:r>
+            <a:endParaRPr lang="zh-CN" altLang="en-US" sz="5400">
+              <a:latin typeface="+mj-ea"/>
+              <a:ea typeface="+mj-ea"/>
+              <a:cs typeface="+mj-ea"/>
+            </a:endParaRPr>
+          </a:p>
+          <a:p>
+            <a:pPr algn="l"/>
+            <a:r>
+              <a:rPr lang="zh-CN" altLang="en-US" sz="2800">
+                <a:latin typeface="+mj-ea"/>
+                <a:ea typeface="+mj-ea"/>
+                <a:cs typeface="+mj-ea"/>
+              </a:rPr>
+              <a:t>进入微信公众平台</a:t>
+            </a:r>
+            <a:endParaRPr lang="en-US" altLang="zh-CN" sz="2800">
+              <a:latin typeface="+mj-ea"/>
+              <a:ea typeface="+mj-ea"/>
+              <a:cs typeface="+mj-ea"/>
+            </a:endParaRPr>
+          </a:p>
+          <a:p>
+            <a:pPr algn="l"/>
+            <a:r>
+              <a:rPr lang="zh-CN" altLang="en-US">
+                <a:latin typeface="+mj-ea"/>
+                <a:ea typeface="+mj-ea"/>
+                <a:cs typeface="+mj-ea"/>
+              </a:rPr>
+              <a:t>下载地址</a:t>
+            </a:r>
+            <a:r>
+              <a:rPr lang="en-US" altLang="zh-CN">
+                <a:latin typeface="+mj-ea"/>
+                <a:ea typeface="+mj-ea"/>
+                <a:cs typeface="+mj-ea"/>
+              </a:rPr>
+              <a:t>:https://developers.weixin.qq.com/miniprogram/dev/devtools/download.html</a:t>
+            </a:r>
+            <a:endParaRPr lang="en-US" altLang="zh-CN">
+              <a:latin typeface="+mj-ea"/>
+              <a:ea typeface="+mj-ea"/>
+              <a:cs typeface="+mj-ea"/>
+            </a:endParaRPr>
+          </a:p>
+        </p:txBody>
+      </p:sp>
+      <p:pic>
+        <p:nvPicPr>
+          <p:cNvPr id="5" name="图片 4"/>
+          <p:cNvPicPr>
+            <a:picLocks noChangeAspect="1"/>
+          </p:cNvPicPr>
+          <p:nvPr/>
+        </p:nvPicPr>
+        <p:blipFill>
+          <a:blip r:embed="rId1"/>
+          <a:stretch>
+            <a:fillRect/>
+          </a:stretch>
+        </p:blipFill>
+        <p:spPr>
+          <a:xfrm>
+            <a:off x="2642235" y="2858770"/>
+            <a:ext cx="5419090" cy="3190240"/>
+          </a:xfrm>
+          <a:prstGeom prst="rect">
+            <a:avLst/>
+          </a:prstGeom>
+        </p:spPr>
+      </p:pic>
     </p:spTree>
-    <p:extLst>
-      <p:ext uri="{BB962C8B-B14F-4D97-AF65-F5344CB8AC3E}">
-        <p14:creationId xmlns:p14="http://schemas.microsoft.com/office/powerpoint/2010/main" val="1990545820"/>
-      </p:ext>
-    </p:extLst>
   </p:cSld>
   <p:clrMapOvr>
     <a:masterClrMapping/>
@@ -5599,12 +5541,80 @@
           <a:chExt cx="0" cy="0"/>
         </a:xfrm>
       </p:grpSpPr>
+      <p:sp>
+        <p:nvSpPr>
+          <p:cNvPr id="2" name="文本框 1"/>
+          <p:cNvSpPr txBox="1"/>
+          <p:nvPr/>
+        </p:nvSpPr>
+        <p:spPr>
+          <a:xfrm>
+            <a:off x="2677160" y="813435"/>
+            <a:ext cx="6922135" cy="922020"/>
+          </a:xfrm>
+          <a:prstGeom prst="rect">
+            <a:avLst/>
+          </a:prstGeom>
+          <a:noFill/>
+        </p:spPr>
+        <p:txBody>
+          <a:bodyPr wrap="none" rtlCol="0">
+            <a:spAutoFit/>
+          </a:bodyPr>
+          <a:p>
+            <a:r>
+              <a:rPr lang="en-US" altLang="zh-CN" sz="5400">
+                <a:latin typeface="+mn-ea"/>
+                <a:cs typeface="+mn-ea"/>
+              </a:rPr>
+              <a:t>2:</a:t>
+            </a:r>
+            <a:r>
+              <a:rPr lang="zh-CN" altLang="en-US" sz="5400">
+                <a:latin typeface="+mn-ea"/>
+                <a:cs typeface="+mn-ea"/>
+              </a:rPr>
+              <a:t>初始化</a:t>
+            </a:r>
+            <a:r>
+              <a:rPr lang="zh-CN" altLang="en-US" sz="5400">
+                <a:latin typeface="+mn-ea"/>
+                <a:cs typeface="+mn-ea"/>
+              </a:rPr>
+              <a:t>项目基本结构</a:t>
+            </a:r>
+            <a:endParaRPr lang="zh-CN" altLang="en-US" sz="5400">
+              <a:latin typeface="+mn-ea"/>
+              <a:cs typeface="+mn-ea"/>
+            </a:endParaRPr>
+          </a:p>
+        </p:txBody>
+      </p:sp>
+      <p:pic>
+        <p:nvPicPr>
+          <p:cNvPr id="3" name="图片 2"/>
+          <p:cNvPicPr>
+            <a:picLocks noChangeAspect="1"/>
+          </p:cNvPicPr>
+          <p:nvPr/>
+        </p:nvPicPr>
+        <p:blipFill>
+          <a:blip r:embed="rId1"/>
+          <a:stretch>
+            <a:fillRect/>
+          </a:stretch>
+        </p:blipFill>
+        <p:spPr>
+          <a:xfrm>
+            <a:off x="3085465" y="1636395"/>
+            <a:ext cx="3914140" cy="4514215"/>
+          </a:xfrm>
+          <a:prstGeom prst="rect">
+            <a:avLst/>
+          </a:prstGeom>
+        </p:spPr>
+      </p:pic>
     </p:spTree>
-    <p:extLst>
-      <p:ext uri="{BB962C8B-B14F-4D97-AF65-F5344CB8AC3E}">
-        <p14:creationId xmlns:p14="http://schemas.microsoft.com/office/powerpoint/2010/main" val="2670023919"/>
-      </p:ext>
-    </p:extLst>
   </p:cSld>
   <p:clrMapOvr>
     <a:masterClrMapping/>
@@ -5629,12 +5639,252 @@
           <a:chExt cx="0" cy="0"/>
         </a:xfrm>
       </p:grpSpPr>
+      <p:sp>
+        <p:nvSpPr>
+          <p:cNvPr id="2" name="文本框 1"/>
+          <p:cNvSpPr txBox="1"/>
+          <p:nvPr/>
+        </p:nvSpPr>
+        <p:spPr>
+          <a:xfrm>
+            <a:off x="753110" y="765175"/>
+            <a:ext cx="8979535" cy="922020"/>
+          </a:xfrm>
+          <a:prstGeom prst="rect">
+            <a:avLst/>
+          </a:prstGeom>
+          <a:noFill/>
+        </p:spPr>
+        <p:txBody>
+          <a:bodyPr wrap="none" rtlCol="0">
+            <a:spAutoFit/>
+          </a:bodyPr>
+          <a:p>
+            <a:r>
+              <a:rPr lang="en-US" altLang="zh-CN" sz="5400">
+                <a:latin typeface="+mn-ea"/>
+                <a:cs typeface="+mn-ea"/>
+              </a:rPr>
+              <a:t>3:</a:t>
+            </a:r>
+            <a:r>
+              <a:rPr lang="zh-CN" altLang="en-US" sz="5400">
+                <a:latin typeface="+mn-ea"/>
+                <a:cs typeface="+mn-ea"/>
+              </a:rPr>
+              <a:t>小程序基本目录和文件讲解</a:t>
+            </a:r>
+            <a:endParaRPr lang="zh-CN" altLang="en-US" sz="5400">
+              <a:latin typeface="+mn-ea"/>
+              <a:cs typeface="+mn-ea"/>
+            </a:endParaRPr>
+          </a:p>
+        </p:txBody>
+      </p:sp>
+      <p:pic>
+        <p:nvPicPr>
+          <p:cNvPr id="4" name="图片 3"/>
+          <p:cNvPicPr>
+            <a:picLocks noChangeAspect="1"/>
+          </p:cNvPicPr>
+          <p:nvPr/>
+        </p:nvPicPr>
+        <p:blipFill>
+          <a:blip r:embed="rId1">
+            <a:extLst>
+              <a:ext uri="{BEBA8EAE-BF5A-486C-A8C5-ECC9F3942E4B}">
+                <a14:imgProps xmlns:a14="http://schemas.microsoft.com/office/drawing/2010/main">
+                  <a14:imgLayer r:embed="rId2"/>
+                </a14:imgProps>
+              </a:ext>
+            </a:extLst>
+          </a:blip>
+          <a:srcRect/>
+          <a:stretch>
+            <a:fillRect/>
+          </a:stretch>
+        </p:blipFill>
+        <p:spPr>
+          <a:xfrm>
+            <a:off x="753110" y="1612900"/>
+            <a:ext cx="2847340" cy="4657090"/>
+          </a:xfrm>
+          <a:prstGeom prst="rect">
+            <a:avLst/>
+          </a:prstGeom>
+        </p:spPr>
+      </p:pic>
+      <p:sp>
+        <p:nvSpPr>
+          <p:cNvPr id="5" name="文本框 4"/>
+          <p:cNvSpPr txBox="1"/>
+          <p:nvPr/>
+        </p:nvSpPr>
+        <p:spPr>
+          <a:xfrm>
+            <a:off x="4698365" y="2021205"/>
+            <a:ext cx="7282180" cy="2584450"/>
+          </a:xfrm>
+          <a:prstGeom prst="rect">
+            <a:avLst/>
+          </a:prstGeom>
+          <a:noFill/>
+        </p:spPr>
+        <p:txBody>
+          <a:bodyPr wrap="none" rtlCol="0">
+            <a:spAutoFit/>
+          </a:bodyPr>
+          <a:p>
+            <a:pPr algn="l"/>
+            <a:r>
+              <a:rPr lang="zh-CN" altLang="en-US"/>
+              <a:t>一</a:t>
+            </a:r>
+            <a:r>
+              <a:rPr lang="en-US" altLang="zh-CN"/>
+              <a:t>:pages  ----</a:t>
+            </a:r>
+            <a:r>
+              <a:rPr lang="zh-CN" altLang="en-US"/>
+              <a:t>所有的业务页面</a:t>
+            </a:r>
+            <a:endParaRPr lang="en-US" altLang="zh-CN"/>
+          </a:p>
+          <a:p>
+            <a:pPr algn="l"/>
+            <a:r>
+              <a:rPr lang="en-US" altLang="zh-CN"/>
+              <a:t>     1:index.js   ---- .js 后缀的 </a:t>
+            </a:r>
+            <a:r>
+              <a:rPr lang="zh-CN" altLang="en-US"/>
+              <a:t>页面</a:t>
+            </a:r>
+            <a:r>
+              <a:rPr lang="en-US" altLang="zh-CN"/>
+              <a:t>脚本逻辑文件</a:t>
+            </a:r>
+            <a:endParaRPr lang="en-US" altLang="zh-CN"/>
+          </a:p>
+          <a:p>
+            <a:pPr algn="l"/>
+            <a:r>
+              <a:rPr lang="en-US" altLang="zh-CN"/>
+              <a:t>     2:index.wxml  ----- .wxml 后缀 </a:t>
+            </a:r>
+            <a:r>
+              <a:rPr lang="zh-CN" altLang="en-US"/>
+              <a:t>页面显示的</a:t>
+            </a:r>
+            <a:r>
+              <a:rPr lang="en-US" altLang="zh-CN"/>
+              <a:t>文件,</a:t>
+            </a:r>
+            <a:r>
+              <a:rPr lang="zh-CN" altLang="en-US"/>
+              <a:t>只支持微信特有标签</a:t>
+            </a:r>
+            <a:endParaRPr lang="en-US" altLang="zh-CN"/>
+          </a:p>
+          <a:p>
+            <a:pPr algn="l"/>
+            <a:r>
+              <a:rPr lang="en-US" altLang="zh-CN"/>
+              <a:t>     3:index.wxss   ----.wxss 后缀 </a:t>
+            </a:r>
+            <a:r>
+              <a:rPr lang="zh-CN" altLang="en-US"/>
+              <a:t>页面</a:t>
+            </a:r>
+            <a:r>
+              <a:rPr lang="en-US" altLang="zh-CN"/>
+              <a:t>CSS</a:t>
+            </a:r>
+            <a:r>
+              <a:rPr lang="en-US" altLang="zh-CN"/>
+              <a:t> 样式文件</a:t>
+            </a:r>
+            <a:endParaRPr lang="zh-CN" altLang="en-US"/>
+          </a:p>
+          <a:p>
+            <a:pPr algn="l"/>
+            <a:r>
+              <a:rPr lang="zh-CN" altLang="en-US"/>
+              <a:t>二</a:t>
+            </a:r>
+            <a:r>
+              <a:rPr lang="en-US" altLang="zh-CN"/>
+              <a:t>:utils  ----</a:t>
+            </a:r>
+            <a:r>
+              <a:rPr lang="zh-CN" altLang="en-US"/>
+              <a:t>全局</a:t>
+            </a:r>
+            <a:r>
+              <a:rPr lang="en-US" altLang="zh-CN"/>
+              <a:t>js</a:t>
+            </a:r>
+            <a:r>
+              <a:rPr lang="zh-CN" altLang="en-US"/>
+              <a:t>工具库</a:t>
+            </a:r>
+            <a:endParaRPr lang="en-US" altLang="zh-CN"/>
+          </a:p>
+          <a:p>
+            <a:pPr algn="l"/>
+            <a:r>
+              <a:rPr lang="zh-CN" altLang="en-US"/>
+              <a:t>三</a:t>
+            </a:r>
+            <a:r>
+              <a:rPr lang="en-US" altLang="zh-CN"/>
+              <a:t>:app.js    ----用来注册一个小程序.</a:t>
+            </a:r>
+            <a:r>
+              <a:rPr lang="zh-CN" altLang="en-US"/>
+              <a:t>指定小程序的生命周期</a:t>
+            </a:r>
+            <a:endParaRPr lang="en-US" altLang="zh-CN"/>
+          </a:p>
+          <a:p>
+            <a:pPr algn="l"/>
+            <a:r>
+              <a:rPr lang="zh-CN" altLang="en-US"/>
+              <a:t>四</a:t>
+            </a:r>
+            <a:r>
+              <a:rPr lang="en-US" altLang="zh-CN"/>
+              <a:t>:app.json</a:t>
+            </a:r>
+            <a:endParaRPr lang="en-US" altLang="zh-CN"/>
+          </a:p>
+          <a:p>
+            <a:pPr algn="l"/>
+            <a:r>
+              <a:rPr lang="zh-CN" altLang="en-US"/>
+              <a:t>五</a:t>
+            </a:r>
+            <a:r>
+              <a:rPr lang="en-US" altLang="zh-CN"/>
+              <a:t>:app.wxss</a:t>
+            </a:r>
+            <a:endParaRPr lang="en-US" altLang="zh-CN"/>
+          </a:p>
+          <a:p>
+            <a:pPr algn="l"/>
+            <a:r>
+              <a:rPr lang="zh-CN" altLang="en-US"/>
+              <a:t>六</a:t>
+            </a:r>
+            <a:r>
+              <a:rPr lang="en-US" altLang="zh-CN"/>
+              <a:t>:project.config.json</a:t>
+            </a:r>
+            <a:endParaRPr lang="en-US" altLang="zh-CN"/>
+          </a:p>
+        </p:txBody>
+      </p:sp>
     </p:spTree>
-    <p:extLst>
-      <p:ext uri="{BB962C8B-B14F-4D97-AF65-F5344CB8AC3E}">
-        <p14:creationId xmlns:p14="http://schemas.microsoft.com/office/powerpoint/2010/main" val="4110889822"/>
-      </p:ext>
-    </p:extLst>
   </p:cSld>
   <p:clrMapOvr>
     <a:masterClrMapping/>
@@ -5660,11 +5910,6 @@
         </a:xfrm>
       </p:grpSpPr>
     </p:spTree>
-    <p:extLst>
-      <p:ext uri="{BB962C8B-B14F-4D97-AF65-F5344CB8AC3E}">
-        <p14:creationId xmlns:p14="http://schemas.microsoft.com/office/powerpoint/2010/main" val="1105713288"/>
-      </p:ext>
-    </p:extLst>
   </p:cSld>
   <p:clrMapOvr>
     <a:masterClrMapping/>
@@ -5690,11 +5935,6 @@
         </a:xfrm>
       </p:grpSpPr>
     </p:spTree>
-    <p:extLst>
-      <p:ext uri="{BB962C8B-B14F-4D97-AF65-F5344CB8AC3E}">
-        <p14:creationId xmlns:p14="http://schemas.microsoft.com/office/powerpoint/2010/main" val="1402471626"/>
-      </p:ext>
-    </p:extLst>
   </p:cSld>
   <p:clrMapOvr>
     <a:masterClrMapping/>
@@ -5720,11 +5960,6 @@
         </a:xfrm>
       </p:grpSpPr>
     </p:spTree>
-    <p:extLst>
-      <p:ext uri="{BB962C8B-B14F-4D97-AF65-F5344CB8AC3E}">
-        <p14:creationId xmlns:p14="http://schemas.microsoft.com/office/powerpoint/2010/main" val="743023475"/>
-      </p:ext>
-    </p:extLst>
   </p:cSld>
   <p:clrMapOvr>
     <a:masterClrMapping/>
@@ -5750,11 +5985,6 @@
         </a:xfrm>
       </p:grpSpPr>
     </p:spTree>
-    <p:extLst>
-      <p:ext uri="{BB962C8B-B14F-4D97-AF65-F5344CB8AC3E}">
-        <p14:creationId xmlns:p14="http://schemas.microsoft.com/office/powerpoint/2010/main" val="2641887089"/>
-      </p:ext>
-    </p:extLst>
   </p:cSld>
   <p:clrMapOvr>
     <a:masterClrMapping/>
@@ -5780,22 +6010,11 @@
         </a:xfrm>
       </p:grpSpPr>
     </p:spTree>
-    <p:extLst>
-      <p:ext uri="{BB962C8B-B14F-4D97-AF65-F5344CB8AC3E}">
-        <p14:creationId xmlns:p14="http://schemas.microsoft.com/office/powerpoint/2010/main" val="2195047743"/>
-      </p:ext>
-    </p:extLst>
   </p:cSld>
   <p:clrMapOvr>
     <a:masterClrMapping/>
   </p:clrMapOvr>
 </p:sld>
-</file>
-
-<file path=ppt/tags/tag1.xml><?xml version="1.0" encoding="utf-8"?>
-<p:tagLst xmlns:a="http://schemas.openxmlformats.org/drawingml/2006/main" xmlns:r="http://schemas.openxmlformats.org/officeDocument/2006/relationships" xmlns:p="http://schemas.openxmlformats.org/presentationml/2006/main">
-  <p:tag name="ISLIDE.GUIDESSETTING" val="{&quot;Id&quot;:&quot;GuidesStyle_Normal&quot;,&quot;Name&quot;:&quot;正常&quot;,&quot;HeaderHeight&quot;:15.0,&quot;FooterHeight&quot;:9.0,&quot;SideMargin&quot;:5.5,&quot;TopMargin&quot;:0.0,&quot;BottomMargin&quot;:0.0,&quot;IntervalMargin&quot;:1.5}"/>
-</p:tagLst>
 </file>
 
 <file path=ppt/theme/theme1.xml><?xml version="1.0" encoding="utf-8"?>
@@ -6063,10 +6282,9 @@
       </a:style>
     </a:lnDef>
   </a:objectDefaults>
-  <a:extraClrSchemeLst/>
   <a:extLst>
     <a:ext uri="{05A4C25C-085E-4340-85A3-A5531E510DB2}">
-      <thm15:themeFamily xmlns:thm15="http://schemas.microsoft.com/office/thememl/2012/main" name="中文汇报2" id="{94FA34F4-7BC1-48E2-B740-C7D8CC441AE2}" vid="{13134613-2207-4CF5-AAE8-F58E14DCD353}"/>
+      <thm15:themeFamily xmlns:thm15="http://schemas.microsoft.com/office/thememl/2012/main" name="Office Theme" id="{62F939B6-93AF-4DB8-9C6B-D6C7DFDC589F}" vid="{4A3C46E8-61CC-4603-A589-7422A47A8E4A}"/>
     </a:ext>
   </a:extLst>
 </a:theme>
@@ -6115,7 +6333,7 @@
     </a:clrScheme>
     <a:fontScheme name="Office">
       <a:majorFont>
-        <a:latin typeface="Calibri Light" panose="020F0302020204030204"/>
+        <a:latin typeface="Calibri Light"/>
         <a:ea typeface=""/>
         <a:cs typeface=""/>
         <a:font script="Jpan" typeface="ＭＳ Ｐゴシック"/>
@@ -6150,7 +6368,7 @@
         <a:font script="Geor" typeface="Sylfaen"/>
       </a:majorFont>
       <a:minorFont>
-        <a:latin typeface="Calibri" panose="020F0502020204030204"/>
+        <a:latin typeface="Calibri"/>
         <a:ea typeface=""/>
         <a:cs typeface=""/>
         <a:font script="Jpan" typeface="ＭＳ Ｐゴシック"/>
@@ -6323,8 +6541,6 @@
       </a:bgFillStyleLst>
     </a:fmtScheme>
   </a:themeElements>
-  <a:objectDefaults/>
-  <a:extraClrSchemeLst/>
   <a:extLst>
     <a:ext uri="{05A4C25C-085E-4340-85A3-A5531E510DB2}">
       <thm15:themeFamily xmlns:thm15="http://schemas.microsoft.com/office/thememl/2012/main" name="Office Theme" id="{62F939B6-93AF-4DB8-9C6B-D6C7DFDC589F}" vid="{4A3C46E8-61CC-4603-A589-7422A47A8E4A}"/>
@@ -6376,7 +6592,7 @@
     </a:clrScheme>
     <a:fontScheme name="Office">
       <a:majorFont>
-        <a:latin typeface="Calibri Light" panose="020F0302020204030204"/>
+        <a:latin typeface="Calibri Light"/>
         <a:ea typeface=""/>
         <a:cs typeface=""/>
         <a:font script="Jpan" typeface="ＭＳ Ｐゴシック"/>
@@ -6411,7 +6627,7 @@
         <a:font script="Geor" typeface="Sylfaen"/>
       </a:majorFont>
       <a:minorFont>
-        <a:latin typeface="Calibri" panose="020F0502020204030204"/>
+        <a:latin typeface="Calibri"/>
         <a:ea typeface=""/>
         <a:cs typeface=""/>
         <a:font script="Jpan" typeface="ＭＳ Ｐゴシック"/>
@@ -6584,8 +6800,6 @@
       </a:bgFillStyleLst>
     </a:fmtScheme>
   </a:themeElements>
-  <a:objectDefaults/>
-  <a:extraClrSchemeLst/>
   <a:extLst>
     <a:ext uri="{05A4C25C-085E-4340-85A3-A5531E510DB2}">
       <thm15:themeFamily xmlns:thm15="http://schemas.microsoft.com/office/thememl/2012/main" name="Office Theme" id="{62F939B6-93AF-4DB8-9C6B-D6C7DFDC589F}" vid="{4A3C46E8-61CC-4603-A589-7422A47A8E4A}"/>

--- a/微信小程序初级入门.pptx
+++ b/微信小程序初级入门.pptx
@@ -5426,15 +5426,7 @@
                 <a:ea typeface="+mj-ea"/>
                 <a:cs typeface="+mj-ea"/>
               </a:rPr>
-              <a:t>1:</a:t>
-            </a:r>
-            <a:r>
-              <a:rPr lang="en-US" altLang="zh-CN" sz="5400">
-                <a:latin typeface="+mj-ea"/>
-                <a:ea typeface="+mj-ea"/>
-                <a:cs typeface="+mj-ea"/>
-              </a:rPr>
-              <a:t>  </a:t>
+              <a:t>1:  </a:t>
             </a:r>
             <a:r>
               <a:rPr lang="zh-CN" altLang="en-US" sz="5400">
@@ -5574,14 +5566,7 @@
                 <a:latin typeface="+mn-ea"/>
                 <a:cs typeface="+mn-ea"/>
               </a:rPr>
-              <a:t>初始化</a:t>
-            </a:r>
-            <a:r>
-              <a:rPr lang="zh-CN" altLang="en-US" sz="5400">
-                <a:latin typeface="+mn-ea"/>
-                <a:cs typeface="+mn-ea"/>
-              </a:rPr>
-              <a:t>项目基本结构</a:t>
+              <a:t>初始化项目基本结构</a:t>
             </a:r>
             <a:endParaRPr lang="zh-CN" altLang="en-US" sz="5400">
               <a:latin typeface="+mn-ea"/>
@@ -5723,7 +5708,7 @@
         <p:spPr>
           <a:xfrm>
             <a:off x="4698365" y="2021205"/>
-            <a:ext cx="7282180" cy="2584450"/>
+            <a:ext cx="7485380" cy="2861310"/>
           </a:xfrm>
           <a:prstGeom prst="rect">
             <a:avLst/>
@@ -5798,11 +5783,7 @@
             </a:r>
             <a:r>
               <a:rPr lang="en-US" altLang="zh-CN"/>
-              <a:t>CSS</a:t>
-            </a:r>
-            <a:r>
-              <a:rPr lang="en-US" altLang="zh-CN"/>
-              <a:t> 样式文件</a:t>
+              <a:t>CSS 样式文件</a:t>
             </a:r>
             <a:endParaRPr lang="zh-CN" altLang="en-US"/>
           </a:p>
@@ -5814,7 +5795,7 @@
             </a:r>
             <a:r>
               <a:rPr lang="en-US" altLang="zh-CN"/>
-              <a:t>:utils  ----</a:t>
+              <a:t>:utils         ----</a:t>
             </a:r>
             <a:r>
               <a:rPr lang="zh-CN" altLang="en-US"/>
@@ -5838,7 +5819,7 @@
             </a:r>
             <a:r>
               <a:rPr lang="en-US" altLang="zh-CN"/>
-              <a:t>:app.js    ----用来注册一个小程序.</a:t>
+              <a:t>:app.js      ----用来注册一个小程序.</a:t>
             </a:r>
             <a:r>
               <a:rPr lang="zh-CN" altLang="en-US"/>
@@ -5854,19 +5835,15 @@
             </a:r>
             <a:r>
               <a:rPr lang="en-US" altLang="zh-CN"/>
-              <a:t>:app.json</a:t>
+              <a:t>:app.json  ----微信小程序全局配置，决定页面文件的路径、窗口表现、</a:t>
             </a:r>
             <a:endParaRPr lang="en-US" altLang="zh-CN"/>
           </a:p>
           <a:p>
             <a:pPr algn="l"/>
             <a:r>
-              <a:rPr lang="zh-CN" altLang="en-US"/>
-              <a:t>五</a:t>
-            </a:r>
-            <a:r>
               <a:rPr lang="en-US" altLang="zh-CN"/>
-              <a:t>:app.wxss</a:t>
+              <a:t>	          设置网络超时时间、设置多 tab </a:t>
             </a:r>
             <a:endParaRPr lang="en-US" altLang="zh-CN"/>
           </a:p>
@@ -5874,13 +5851,45 @@
             <a:pPr algn="l"/>
             <a:r>
               <a:rPr lang="zh-CN" altLang="en-US"/>
+              <a:t>五</a:t>
+            </a:r>
+            <a:r>
+              <a:rPr lang="en-US" altLang="zh-CN"/>
+              <a:t>:app.wxss ----全局的样式和局部样式</a:t>
+            </a:r>
+            <a:endParaRPr lang="en-US" altLang="zh-CN"/>
+          </a:p>
+          <a:p>
+            <a:pPr algn="l"/>
+            <a:r>
+              <a:rPr lang="zh-CN" altLang="en-US"/>
               <a:t>六</a:t>
             </a:r>
             <a:r>
               <a:rPr lang="en-US" altLang="zh-CN"/>
-              <a:t>:project.config.json</a:t>
-            </a:r>
-            <a:endParaRPr lang="en-US" altLang="zh-CN"/>
+              <a:t>:project.config.json   ----</a:t>
+            </a:r>
+            <a:r>
+              <a:rPr lang="zh-CN" altLang="en-US"/>
+              <a:t>项目信息</a:t>
+            </a:r>
+            <a:r>
+              <a:rPr lang="en-US" altLang="zh-CN"/>
+              <a:t>,</a:t>
+            </a:r>
+            <a:r>
+              <a:rPr lang="zh-CN" altLang="en-US"/>
+              <a:t>系统自动生成</a:t>
+            </a:r>
+            <a:r>
+              <a:rPr lang="en-US" altLang="zh-CN"/>
+              <a:t>,</a:t>
+            </a:r>
+            <a:r>
+              <a:rPr lang="zh-CN" altLang="en-US"/>
+              <a:t>一般无需更改</a:t>
+            </a:r>
+            <a:endParaRPr lang="zh-CN" altLang="en-US"/>
           </a:p>
         </p:txBody>
       </p:sp>
@@ -5909,6 +5918,47 @@
           <a:chExt cx="0" cy="0"/>
         </a:xfrm>
       </p:grpSpPr>
+      <p:sp>
+        <p:nvSpPr>
+          <p:cNvPr id="2" name="文本框 1"/>
+          <p:cNvSpPr txBox="1"/>
+          <p:nvPr/>
+        </p:nvSpPr>
+        <p:spPr>
+          <a:xfrm>
+            <a:off x="1239520" y="911225"/>
+            <a:ext cx="8979535" cy="922020"/>
+          </a:xfrm>
+          <a:prstGeom prst="rect">
+            <a:avLst/>
+          </a:prstGeom>
+          <a:noFill/>
+        </p:spPr>
+        <p:txBody>
+          <a:bodyPr wrap="none" rtlCol="0" anchor="t">
+            <a:spAutoFit/>
+          </a:bodyPr>
+          <a:p>
+            <a:r>
+              <a:rPr lang="en-US" altLang="zh-CN" sz="5400">
+                <a:latin typeface="+mn-ea"/>
+                <a:cs typeface="+mn-ea"/>
+                <a:sym typeface="+mn-ea"/>
+              </a:rPr>
+              <a:t>4:</a:t>
+            </a:r>
+            <a:r>
+              <a:rPr lang="zh-CN" altLang="en-US" sz="5400">
+                <a:latin typeface="+mn-ea"/>
+                <a:cs typeface="+mn-ea"/>
+                <a:sym typeface="+mn-ea"/>
+              </a:rPr>
+              <a:t>小程序实战之账号密码登录</a:t>
+            </a:r>
+            <a:endParaRPr lang="zh-CN" altLang="en-US" sz="5400"/>
+          </a:p>
+        </p:txBody>
+      </p:sp>
     </p:spTree>
   </p:cSld>
   <p:clrMapOvr>

--- a/微信小程序初级入门.pptx
+++ b/微信小程序初级入门.pptx
@@ -6,25 +6,26 @@
     <p:sldMasterId id="2147483659" r:id="rId3"/>
   </p:sldMasterIdLst>
   <p:notesMasterIdLst>
-    <p:notesMasterId r:id="rId20"/>
+    <p:notesMasterId r:id="rId21"/>
   </p:notesMasterIdLst>
   <p:sldIdLst>
     <p:sldId id="315" r:id="rId4"/>
     <p:sldId id="311" r:id="rId5"/>
     <p:sldId id="317" r:id="rId6"/>
     <p:sldId id="320" r:id="rId7"/>
-    <p:sldId id="319" r:id="rId8"/>
-    <p:sldId id="318" r:id="rId9"/>
-    <p:sldId id="321" r:id="rId10"/>
-    <p:sldId id="322" r:id="rId11"/>
-    <p:sldId id="323" r:id="rId12"/>
-    <p:sldId id="312" r:id="rId13"/>
-    <p:sldId id="310" r:id="rId14"/>
-    <p:sldId id="313" r:id="rId15"/>
-    <p:sldId id="309" r:id="rId16"/>
-    <p:sldId id="314" r:id="rId17"/>
-    <p:sldId id="324" r:id="rId18"/>
-    <p:sldId id="316" r:id="rId19"/>
+    <p:sldId id="333" r:id="rId8"/>
+    <p:sldId id="334" r:id="rId9"/>
+    <p:sldId id="335" r:id="rId10"/>
+    <p:sldId id="321" r:id="rId11"/>
+    <p:sldId id="322" r:id="rId12"/>
+    <p:sldId id="323" r:id="rId13"/>
+    <p:sldId id="312" r:id="rId14"/>
+    <p:sldId id="310" r:id="rId15"/>
+    <p:sldId id="313" r:id="rId16"/>
+    <p:sldId id="309" r:id="rId17"/>
+    <p:sldId id="314" r:id="rId18"/>
+    <p:sldId id="324" r:id="rId19"/>
+    <p:sldId id="316" r:id="rId20"/>
   </p:sldIdLst>
   <p:sldSz cx="12192000" cy="6858000"/>
   <p:notesSz cx="6858000" cy="9144000"/>
@@ -5151,78 +5152,6 @@
           <a:chExt cx="0" cy="0"/>
         </a:xfrm>
       </p:grpSpPr>
-      <p:sp>
-        <p:nvSpPr>
-          <p:cNvPr id="2" name="文本框 1"/>
-          <p:cNvSpPr txBox="1"/>
-          <p:nvPr/>
-        </p:nvSpPr>
-        <p:spPr>
-          <a:xfrm>
-            <a:off x="3682312" y="3080951"/>
-            <a:ext cx="7269939" cy="923330"/>
-          </a:xfrm>
-          <a:prstGeom prst="rect">
-            <a:avLst/>
-          </a:prstGeom>
-          <a:noFill/>
-        </p:spPr>
-        <p:txBody>
-          <a:bodyPr wrap="none" rtlCol="0">
-            <a:spAutoFit/>
-          </a:bodyPr>
-          <a:lstStyle/>
-          <a:p>
-            <a:r>
-              <a:rPr lang="zh-CN" altLang="en-US" sz="5400" b="1" dirty="0" smtClean="0">
-                <a:solidFill>
-                  <a:srgbClr val="485C77"/>
-                </a:solidFill>
-                <a:latin typeface="微软雅黑" panose="020B0503020204020204" pitchFamily="34" charset="-122"/>
-                <a:ea typeface="微软雅黑" panose="020B0503020204020204" pitchFamily="34" charset="-122"/>
-              </a:rPr>
-              <a:t>微软</a:t>
-            </a:r>
-            <a:r>
-              <a:rPr lang="zh-CN" altLang="en-US" sz="5400" b="1" dirty="0">
-                <a:solidFill>
-                  <a:srgbClr val="485C77"/>
-                </a:solidFill>
-                <a:latin typeface="微软雅黑" panose="020B0503020204020204" pitchFamily="34" charset="-122"/>
-                <a:ea typeface="微软雅黑" panose="020B0503020204020204" pitchFamily="34" charset="-122"/>
-              </a:rPr>
-              <a:t>雅黑</a:t>
-            </a:r>
-            <a:r>
-              <a:rPr lang="en-US" altLang="zh-CN" sz="5400" b="1" dirty="0">
-                <a:solidFill>
-                  <a:srgbClr val="485C77"/>
-                </a:solidFill>
-                <a:latin typeface="微软雅黑" panose="020B0503020204020204" pitchFamily="34" charset="-122"/>
-                <a:ea typeface="微软雅黑" panose="020B0503020204020204" pitchFamily="34" charset="-122"/>
-              </a:rPr>
-              <a:t>54</a:t>
-            </a:r>
-            <a:r>
-              <a:rPr lang="zh-CN" altLang="en-US" sz="5400" b="1" dirty="0">
-                <a:solidFill>
-                  <a:srgbClr val="485C77"/>
-                </a:solidFill>
-                <a:latin typeface="微软雅黑" panose="020B0503020204020204" pitchFamily="34" charset="-122"/>
-                <a:ea typeface="微软雅黑" panose="020B0503020204020204" pitchFamily="34" charset="-122"/>
-              </a:rPr>
-              <a:t>号字体加粗</a:t>
-            </a:r>
-            <a:endParaRPr lang="zh-CN" altLang="en-US" sz="5400" b="1" dirty="0">
-              <a:solidFill>
-                <a:srgbClr val="485C77"/>
-              </a:solidFill>
-              <a:latin typeface="微软雅黑" panose="020B0503020204020204" pitchFamily="34" charset="-122"/>
-              <a:ea typeface="微软雅黑" panose="020B0503020204020204" pitchFamily="34" charset="-122"/>
-            </a:endParaRPr>
-          </a:p>
-        </p:txBody>
-      </p:sp>
     </p:spTree>
   </p:cSld>
   <p:clrMapOvr>
@@ -5248,6 +5177,78 @@
           <a:chExt cx="0" cy="0"/>
         </a:xfrm>
       </p:grpSpPr>
+      <p:sp>
+        <p:nvSpPr>
+          <p:cNvPr id="2" name="文本框 1"/>
+          <p:cNvSpPr txBox="1"/>
+          <p:nvPr/>
+        </p:nvSpPr>
+        <p:spPr>
+          <a:xfrm>
+            <a:off x="3682312" y="3080951"/>
+            <a:ext cx="7269939" cy="923330"/>
+          </a:xfrm>
+          <a:prstGeom prst="rect">
+            <a:avLst/>
+          </a:prstGeom>
+          <a:noFill/>
+        </p:spPr>
+        <p:txBody>
+          <a:bodyPr wrap="none" rtlCol="0">
+            <a:spAutoFit/>
+          </a:bodyPr>
+          <a:lstStyle/>
+          <a:p>
+            <a:r>
+              <a:rPr lang="zh-CN" altLang="en-US" sz="5400" b="1" dirty="0" smtClean="0">
+                <a:solidFill>
+                  <a:srgbClr val="485C77"/>
+                </a:solidFill>
+                <a:latin typeface="微软雅黑" panose="020B0503020204020204" pitchFamily="34" charset="-122"/>
+                <a:ea typeface="微软雅黑" panose="020B0503020204020204" pitchFamily="34" charset="-122"/>
+              </a:rPr>
+              <a:t>微软</a:t>
+            </a:r>
+            <a:r>
+              <a:rPr lang="zh-CN" altLang="en-US" sz="5400" b="1" dirty="0">
+                <a:solidFill>
+                  <a:srgbClr val="485C77"/>
+                </a:solidFill>
+                <a:latin typeface="微软雅黑" panose="020B0503020204020204" pitchFamily="34" charset="-122"/>
+                <a:ea typeface="微软雅黑" panose="020B0503020204020204" pitchFamily="34" charset="-122"/>
+              </a:rPr>
+              <a:t>雅黑</a:t>
+            </a:r>
+            <a:r>
+              <a:rPr lang="en-US" altLang="zh-CN" sz="5400" b="1" dirty="0">
+                <a:solidFill>
+                  <a:srgbClr val="485C77"/>
+                </a:solidFill>
+                <a:latin typeface="微软雅黑" panose="020B0503020204020204" pitchFamily="34" charset="-122"/>
+                <a:ea typeface="微软雅黑" panose="020B0503020204020204" pitchFamily="34" charset="-122"/>
+              </a:rPr>
+              <a:t>54</a:t>
+            </a:r>
+            <a:r>
+              <a:rPr lang="zh-CN" altLang="en-US" sz="5400" b="1" dirty="0">
+                <a:solidFill>
+                  <a:srgbClr val="485C77"/>
+                </a:solidFill>
+                <a:latin typeface="微软雅黑" panose="020B0503020204020204" pitchFamily="34" charset="-122"/>
+                <a:ea typeface="微软雅黑" panose="020B0503020204020204" pitchFamily="34" charset="-122"/>
+              </a:rPr>
+              <a:t>号字体加粗</a:t>
+            </a:r>
+            <a:endParaRPr lang="zh-CN" altLang="en-US" sz="5400" b="1" dirty="0">
+              <a:solidFill>
+                <a:srgbClr val="485C77"/>
+              </a:solidFill>
+              <a:latin typeface="微软雅黑" panose="020B0503020204020204" pitchFamily="34" charset="-122"/>
+              <a:ea typeface="微软雅黑" panose="020B0503020204020204" pitchFamily="34" charset="-122"/>
+            </a:endParaRPr>
+          </a:p>
+        </p:txBody>
+      </p:sp>
     </p:spTree>
   </p:cSld>
   <p:clrMapOvr>
@@ -5381,6 +5382,31 @@
 </p:sld>
 </file>
 
+<file path=ppt/slides/slide17.xml><?xml version="1.0" encoding="utf-8"?>
+<p:sld xmlns:a="http://schemas.openxmlformats.org/drawingml/2006/main" xmlns:r="http://schemas.openxmlformats.org/officeDocument/2006/relationships" xmlns:p="http://schemas.openxmlformats.org/presentationml/2006/main">
+  <p:cSld>
+    <p:spTree>
+      <p:nvGrpSpPr>
+        <p:cNvPr id="1" name=""/>
+        <p:cNvGrpSpPr/>
+        <p:nvPr/>
+      </p:nvGrpSpPr>
+      <p:grpSpPr>
+        <a:xfrm>
+          <a:off x="0" y="0"/>
+          <a:ext cx="0" cy="0"/>
+          <a:chOff x="0" y="0"/>
+          <a:chExt cx="0" cy="0"/>
+        </a:xfrm>
+      </p:grpSpPr>
+    </p:spTree>
+  </p:cSld>
+  <p:clrMapOvr>
+    <a:masterClrMapping/>
+  </p:clrMapOvr>
+</p:sld>
+</file>
+
 <file path=ppt/slides/slide2.xml><?xml version="1.0" encoding="utf-8"?>
 <p:sld xmlns:a="http://schemas.openxmlformats.org/drawingml/2006/main" xmlns:r="http://schemas.openxmlformats.org/officeDocument/2006/relationships" xmlns:p="http://schemas.openxmlformats.org/presentationml/2006/main">
   <p:cSld>
@@ -5959,6 +5985,98 @@
           </a:p>
         </p:txBody>
       </p:sp>
+      <p:pic>
+        <p:nvPicPr>
+          <p:cNvPr id="3" name="图片 2"/>
+          <p:cNvPicPr>
+            <a:picLocks noChangeAspect="1"/>
+          </p:cNvPicPr>
+          <p:nvPr/>
+        </p:nvPicPr>
+        <p:blipFill>
+          <a:blip r:embed="rId1"/>
+          <a:stretch>
+            <a:fillRect/>
+          </a:stretch>
+        </p:blipFill>
+        <p:spPr>
+          <a:xfrm>
+            <a:off x="120650" y="1833245"/>
+            <a:ext cx="6300470" cy="3914775"/>
+          </a:xfrm>
+          <a:prstGeom prst="rect">
+            <a:avLst/>
+          </a:prstGeom>
+        </p:spPr>
+      </p:pic>
+      <p:sp>
+        <p:nvSpPr>
+          <p:cNvPr id="4" name="文本框 3"/>
+          <p:cNvSpPr txBox="1"/>
+          <p:nvPr/>
+        </p:nvSpPr>
+        <p:spPr>
+          <a:xfrm>
+            <a:off x="6421120" y="1905000"/>
+            <a:ext cx="5720080" cy="645160"/>
+          </a:xfrm>
+          <a:prstGeom prst="rect">
+            <a:avLst/>
+          </a:prstGeom>
+          <a:noFill/>
+        </p:spPr>
+        <p:txBody>
+          <a:bodyPr wrap="none" rtlCol="0">
+            <a:spAutoFit/>
+          </a:bodyPr>
+          <a:p>
+            <a:r>
+              <a:rPr lang="en-US" altLang="zh-CN"/>
+              <a:t>1:</a:t>
+            </a:r>
+            <a:r>
+              <a:rPr lang="zh-CN" altLang="en-US"/>
+              <a:t>在</a:t>
+            </a:r>
+            <a:r>
+              <a:rPr lang="en-US" altLang="zh-CN"/>
+              <a:t>pages</a:t>
+            </a:r>
+            <a:r>
+              <a:rPr lang="zh-CN" altLang="en-US"/>
+              <a:t>新建</a:t>
+            </a:r>
+            <a:r>
+              <a:rPr lang="en-US" altLang="zh-CN"/>
+              <a:t>login</a:t>
+            </a:r>
+            <a:r>
+              <a:rPr lang="zh-CN" altLang="en-US"/>
+              <a:t>目录</a:t>
+            </a:r>
+            <a:r>
+              <a:rPr lang="en-US" altLang="zh-CN"/>
+              <a:t>,</a:t>
+            </a:r>
+            <a:r>
+              <a:rPr lang="zh-CN" altLang="en-US"/>
+              <a:t>在目录下新建必备的四个文件</a:t>
+            </a:r>
+            <a:r>
+              <a:rPr lang="en-US" altLang="zh-CN"/>
+              <a:t>,</a:t>
+            </a:r>
+            <a:endParaRPr lang="en-US" altLang="zh-CN"/>
+          </a:p>
+          <a:p>
+            <a:r>
+              <a:rPr lang="en-US" altLang="zh-CN"/>
+              <a:t>    index.js,index.json,index.wxml,index.wxss</a:t>
+            </a:r>
+            <a:endParaRPr lang="en-US" altLang="zh-CN"/>
+          </a:p>
+        </p:txBody>
+      </p:sp>
     </p:spTree>
   </p:cSld>
   <p:clrMapOvr>
@@ -5984,6 +6102,153 @@
           <a:chExt cx="0" cy="0"/>
         </a:xfrm>
       </p:grpSpPr>
+      <p:sp>
+        <p:nvSpPr>
+          <p:cNvPr id="2" name="文本框 1"/>
+          <p:cNvSpPr txBox="1"/>
+          <p:nvPr/>
+        </p:nvSpPr>
+        <p:spPr>
+          <a:xfrm>
+            <a:off x="4802505" y="347980"/>
+            <a:ext cx="2193290" cy="521970"/>
+          </a:xfrm>
+          <a:prstGeom prst="rect">
+            <a:avLst/>
+          </a:prstGeom>
+          <a:noFill/>
+        </p:spPr>
+        <p:txBody>
+          <a:bodyPr wrap="none" rtlCol="0" anchor="t">
+            <a:spAutoFit/>
+          </a:bodyPr>
+          <a:p>
+            <a:r>
+              <a:rPr lang="en-US" altLang="zh-CN" sz="2800">
+                <a:latin typeface="+mn-ea"/>
+                <a:cs typeface="+mn-ea"/>
+                <a:sym typeface="+mn-ea"/>
+              </a:rPr>
+              <a:t>4.1:</a:t>
+            </a:r>
+            <a:r>
+              <a:rPr lang="zh-CN" altLang="en-US" sz="2800">
+                <a:latin typeface="+mn-ea"/>
+                <a:cs typeface="+mn-ea"/>
+                <a:sym typeface="+mn-ea"/>
+              </a:rPr>
+              <a:t>登录页面</a:t>
+            </a:r>
+            <a:endParaRPr lang="zh-CN" altLang="en-US" sz="2800"/>
+          </a:p>
+        </p:txBody>
+      </p:sp>
+      <p:pic>
+        <p:nvPicPr>
+          <p:cNvPr id="4" name="图片 3"/>
+          <p:cNvPicPr>
+            <a:picLocks noChangeAspect="1"/>
+          </p:cNvPicPr>
+          <p:nvPr/>
+        </p:nvPicPr>
+        <p:blipFill>
+          <a:blip r:embed="rId1"/>
+          <a:stretch>
+            <a:fillRect/>
+          </a:stretch>
+        </p:blipFill>
+        <p:spPr>
+          <a:xfrm>
+            <a:off x="124460" y="2313940"/>
+            <a:ext cx="3552825" cy="4133850"/>
+          </a:xfrm>
+          <a:prstGeom prst="rect">
+            <a:avLst/>
+          </a:prstGeom>
+        </p:spPr>
+      </p:pic>
+      <p:sp>
+        <p:nvSpPr>
+          <p:cNvPr id="5" name="文本框 4"/>
+          <p:cNvSpPr txBox="1"/>
+          <p:nvPr/>
+        </p:nvSpPr>
+        <p:spPr>
+          <a:xfrm>
+            <a:off x="564515" y="1312545"/>
+            <a:ext cx="1452880" cy="398780"/>
+          </a:xfrm>
+          <a:prstGeom prst="rect">
+            <a:avLst/>
+          </a:prstGeom>
+          <a:noFill/>
+        </p:spPr>
+        <p:txBody>
+          <a:bodyPr wrap="none" rtlCol="0">
+            <a:spAutoFit/>
+          </a:bodyPr>
+          <a:p>
+            <a:r>
+              <a:rPr lang="zh-CN" altLang="en-US" sz="2000"/>
+              <a:t>页面效果图</a:t>
+            </a:r>
+            <a:endParaRPr lang="zh-CN" altLang="en-US" sz="2000"/>
+          </a:p>
+        </p:txBody>
+      </p:sp>
+      <p:sp>
+        <p:nvSpPr>
+          <p:cNvPr id="7" name="文本框 6"/>
+          <p:cNvSpPr txBox="1"/>
+          <p:nvPr/>
+        </p:nvSpPr>
+        <p:spPr>
+          <a:xfrm>
+            <a:off x="7282815" y="1312545"/>
+            <a:ext cx="1097280" cy="368300"/>
+          </a:xfrm>
+          <a:prstGeom prst="rect">
+            <a:avLst/>
+          </a:prstGeom>
+          <a:noFill/>
+        </p:spPr>
+        <p:txBody>
+          <a:bodyPr wrap="none" rtlCol="0">
+            <a:spAutoFit/>
+          </a:bodyPr>
+          <a:p>
+            <a:r>
+              <a:rPr lang="zh-CN" altLang="en-US"/>
+              <a:t>页面代码</a:t>
+            </a:r>
+            <a:endParaRPr lang="zh-CN" altLang="en-US"/>
+          </a:p>
+        </p:txBody>
+      </p:sp>
+      <p:pic>
+        <p:nvPicPr>
+          <p:cNvPr id="9" name="图片 8"/>
+          <p:cNvPicPr>
+            <a:picLocks noChangeAspect="1"/>
+          </p:cNvPicPr>
+          <p:nvPr/>
+        </p:nvPicPr>
+        <p:blipFill>
+          <a:blip r:embed="rId2"/>
+          <a:stretch>
+            <a:fillRect/>
+          </a:stretch>
+        </p:blipFill>
+        <p:spPr>
+          <a:xfrm>
+            <a:off x="4239260" y="2517775"/>
+            <a:ext cx="7010400" cy="2895600"/>
+          </a:xfrm>
+          <a:prstGeom prst="rect">
+            <a:avLst/>
+          </a:prstGeom>
+        </p:spPr>
+      </p:pic>
     </p:spTree>
   </p:cSld>
   <p:clrMapOvr>
@@ -6009,6 +6274,63 @@
           <a:chExt cx="0" cy="0"/>
         </a:xfrm>
       </p:grpSpPr>
+      <p:pic>
+        <p:nvPicPr>
+          <p:cNvPr id="4" name="图片 3"/>
+          <p:cNvPicPr>
+            <a:picLocks noChangeAspect="1"/>
+          </p:cNvPicPr>
+          <p:nvPr/>
+        </p:nvPicPr>
+        <p:blipFill>
+          <a:blip r:embed="rId1"/>
+          <a:stretch>
+            <a:fillRect/>
+          </a:stretch>
+        </p:blipFill>
+        <p:spPr>
+          <a:xfrm>
+            <a:off x="227330" y="1651635"/>
+            <a:ext cx="4029075" cy="4572000"/>
+          </a:xfrm>
+          <a:prstGeom prst="rect">
+            <a:avLst/>
+          </a:prstGeom>
+        </p:spPr>
+      </p:pic>
+      <p:sp>
+        <p:nvSpPr>
+          <p:cNvPr id="5" name="文本框 4"/>
+          <p:cNvSpPr txBox="1"/>
+          <p:nvPr/>
+        </p:nvSpPr>
+        <p:spPr>
+          <a:xfrm>
+            <a:off x="1242695" y="1076960"/>
+            <a:ext cx="1313180" cy="368300"/>
+          </a:xfrm>
+          <a:prstGeom prst="rect">
+            <a:avLst/>
+          </a:prstGeom>
+          <a:noFill/>
+        </p:spPr>
+        <p:txBody>
+          <a:bodyPr wrap="none" rtlCol="0">
+            <a:spAutoFit/>
+          </a:bodyPr>
+          <a:p>
+            <a:r>
+              <a:rPr lang="en-US" altLang="zh-CN"/>
+              <a:t>WXSS</a:t>
+            </a:r>
+            <a:r>
+              <a:rPr lang="zh-CN" altLang="en-US"/>
+              <a:t>代码</a:t>
+            </a:r>
+            <a:endParaRPr lang="zh-CN" altLang="en-US"/>
+          </a:p>
+        </p:txBody>
+      </p:sp>
     </p:spTree>
   </p:cSld>
   <p:clrMapOvr>

--- a/微信小程序初级入门.pptx
+++ b/微信小程序初级入门.pptx
@@ -6,7 +6,7 @@
     <p:sldMasterId id="2147483659" r:id="rId3"/>
   </p:sldMasterIdLst>
   <p:notesMasterIdLst>
-    <p:notesMasterId r:id="rId21"/>
+    <p:notesMasterId r:id="rId19"/>
   </p:notesMasterIdLst>
   <p:sldIdLst>
     <p:sldId id="315" r:id="rId4"/>
@@ -18,14 +18,12 @@
     <p:sldId id="335" r:id="rId10"/>
     <p:sldId id="321" r:id="rId11"/>
     <p:sldId id="322" r:id="rId12"/>
-    <p:sldId id="323" r:id="rId13"/>
-    <p:sldId id="312" r:id="rId14"/>
-    <p:sldId id="310" r:id="rId15"/>
-    <p:sldId id="313" r:id="rId16"/>
-    <p:sldId id="309" r:id="rId17"/>
-    <p:sldId id="314" r:id="rId18"/>
-    <p:sldId id="324" r:id="rId19"/>
-    <p:sldId id="316" r:id="rId20"/>
+    <p:sldId id="310" r:id="rId13"/>
+    <p:sldId id="313" r:id="rId14"/>
+    <p:sldId id="309" r:id="rId15"/>
+    <p:sldId id="314" r:id="rId16"/>
+    <p:sldId id="324" r:id="rId17"/>
+    <p:sldId id="316" r:id="rId18"/>
   </p:sldIdLst>
   <p:sldSz cx="12192000" cy="6858000"/>
   <p:notesSz cx="6858000" cy="9144000"/>
@@ -5152,6 +5150,54 @@
           <a:chExt cx="0" cy="0"/>
         </a:xfrm>
       </p:grpSpPr>
+      <p:sp>
+        <p:nvSpPr>
+          <p:cNvPr id="2" name="文本框 1"/>
+          <p:cNvSpPr txBox="1"/>
+          <p:nvPr/>
+        </p:nvSpPr>
+        <p:spPr>
+          <a:xfrm>
+            <a:off x="4678045" y="211455"/>
+            <a:ext cx="2904490" cy="521970"/>
+          </a:xfrm>
+          <a:prstGeom prst="rect">
+            <a:avLst/>
+          </a:prstGeom>
+          <a:noFill/>
+        </p:spPr>
+        <p:txBody>
+          <a:bodyPr wrap="none" rtlCol="0" anchor="t">
+            <a:spAutoFit/>
+          </a:bodyPr>
+          <a:p>
+            <a:r>
+              <a:rPr lang="en-US" altLang="zh-CN" sz="2800">
+                <a:latin typeface="微软雅黑" panose="020B0503020204020204" pitchFamily="34" charset="-122"/>
+                <a:ea typeface="微软雅黑" panose="020B0503020204020204" pitchFamily="34" charset="-122"/>
+                <a:cs typeface="微软雅黑" panose="020B0503020204020204" pitchFamily="34" charset="-122"/>
+                <a:sym typeface="+mn-ea"/>
+              </a:rPr>
+              <a:t>4.3:</a:t>
+            </a:r>
+            <a:r>
+              <a:rPr lang="zh-CN" altLang="en-US" sz="2800">
+                <a:latin typeface="微软雅黑" panose="020B0503020204020204" pitchFamily="34" charset="-122"/>
+                <a:ea typeface="微软雅黑" panose="020B0503020204020204" pitchFamily="34" charset="-122"/>
+                <a:cs typeface="微软雅黑" panose="020B0503020204020204" pitchFamily="34" charset="-122"/>
+                <a:sym typeface="+mn-ea"/>
+              </a:rPr>
+              <a:t>登录接口调用</a:t>
+            </a:r>
+            <a:endParaRPr lang="en-US" altLang="zh-CN" sz="2800">
+              <a:latin typeface="微软雅黑" panose="020B0503020204020204" pitchFamily="34" charset="-122"/>
+              <a:ea typeface="微软雅黑" panose="020B0503020204020204" pitchFamily="34" charset="-122"/>
+              <a:cs typeface="微软雅黑" panose="020B0503020204020204" pitchFamily="34" charset="-122"/>
+              <a:sym typeface="+mn-ea"/>
+            </a:endParaRPr>
+          </a:p>
+        </p:txBody>
+      </p:sp>
     </p:spTree>
   </p:cSld>
   <p:clrMapOvr>
@@ -5177,78 +5223,6 @@
           <a:chExt cx="0" cy="0"/>
         </a:xfrm>
       </p:grpSpPr>
-      <p:sp>
-        <p:nvSpPr>
-          <p:cNvPr id="2" name="文本框 1"/>
-          <p:cNvSpPr txBox="1"/>
-          <p:nvPr/>
-        </p:nvSpPr>
-        <p:spPr>
-          <a:xfrm>
-            <a:off x="3682312" y="3080951"/>
-            <a:ext cx="7269939" cy="923330"/>
-          </a:xfrm>
-          <a:prstGeom prst="rect">
-            <a:avLst/>
-          </a:prstGeom>
-          <a:noFill/>
-        </p:spPr>
-        <p:txBody>
-          <a:bodyPr wrap="none" rtlCol="0">
-            <a:spAutoFit/>
-          </a:bodyPr>
-          <a:lstStyle/>
-          <a:p>
-            <a:r>
-              <a:rPr lang="zh-CN" altLang="en-US" sz="5400" b="1" dirty="0" smtClean="0">
-                <a:solidFill>
-                  <a:srgbClr val="485C77"/>
-                </a:solidFill>
-                <a:latin typeface="微软雅黑" panose="020B0503020204020204" pitchFamily="34" charset="-122"/>
-                <a:ea typeface="微软雅黑" panose="020B0503020204020204" pitchFamily="34" charset="-122"/>
-              </a:rPr>
-              <a:t>微软</a:t>
-            </a:r>
-            <a:r>
-              <a:rPr lang="zh-CN" altLang="en-US" sz="5400" b="1" dirty="0">
-                <a:solidFill>
-                  <a:srgbClr val="485C77"/>
-                </a:solidFill>
-                <a:latin typeface="微软雅黑" panose="020B0503020204020204" pitchFamily="34" charset="-122"/>
-                <a:ea typeface="微软雅黑" panose="020B0503020204020204" pitchFamily="34" charset="-122"/>
-              </a:rPr>
-              <a:t>雅黑</a:t>
-            </a:r>
-            <a:r>
-              <a:rPr lang="en-US" altLang="zh-CN" sz="5400" b="1" dirty="0">
-                <a:solidFill>
-                  <a:srgbClr val="485C77"/>
-                </a:solidFill>
-                <a:latin typeface="微软雅黑" panose="020B0503020204020204" pitchFamily="34" charset="-122"/>
-                <a:ea typeface="微软雅黑" panose="020B0503020204020204" pitchFamily="34" charset="-122"/>
-              </a:rPr>
-              <a:t>54</a:t>
-            </a:r>
-            <a:r>
-              <a:rPr lang="zh-CN" altLang="en-US" sz="5400" b="1" dirty="0">
-                <a:solidFill>
-                  <a:srgbClr val="485C77"/>
-                </a:solidFill>
-                <a:latin typeface="微软雅黑" panose="020B0503020204020204" pitchFamily="34" charset="-122"/>
-                <a:ea typeface="微软雅黑" panose="020B0503020204020204" pitchFamily="34" charset="-122"/>
-              </a:rPr>
-              <a:t>号字体加粗</a:t>
-            </a:r>
-            <a:endParaRPr lang="zh-CN" altLang="en-US" sz="5400" b="1" dirty="0">
-              <a:solidFill>
-                <a:srgbClr val="485C77"/>
-              </a:solidFill>
-              <a:latin typeface="微软雅黑" panose="020B0503020204020204" pitchFamily="34" charset="-122"/>
-              <a:ea typeface="微软雅黑" panose="020B0503020204020204" pitchFamily="34" charset="-122"/>
-            </a:endParaRPr>
-          </a:p>
-        </p:txBody>
-      </p:sp>
     </p:spTree>
   </p:cSld>
   <p:clrMapOvr>
@@ -5357,56 +5331,6 @@
 </p:sld>
 </file>
 
-<file path=ppt/slides/slide16.xml><?xml version="1.0" encoding="utf-8"?>
-<p:sld xmlns:a="http://schemas.openxmlformats.org/drawingml/2006/main" xmlns:r="http://schemas.openxmlformats.org/officeDocument/2006/relationships" xmlns:p="http://schemas.openxmlformats.org/presentationml/2006/main">
-  <p:cSld>
-    <p:spTree>
-      <p:nvGrpSpPr>
-        <p:cNvPr id="1" name=""/>
-        <p:cNvGrpSpPr/>
-        <p:nvPr/>
-      </p:nvGrpSpPr>
-      <p:grpSpPr>
-        <a:xfrm>
-          <a:off x="0" y="0"/>
-          <a:ext cx="0" cy="0"/>
-          <a:chOff x="0" y="0"/>
-          <a:chExt cx="0" cy="0"/>
-        </a:xfrm>
-      </p:grpSpPr>
-    </p:spTree>
-  </p:cSld>
-  <p:clrMapOvr>
-    <a:masterClrMapping/>
-  </p:clrMapOvr>
-</p:sld>
-</file>
-
-<file path=ppt/slides/slide17.xml><?xml version="1.0" encoding="utf-8"?>
-<p:sld xmlns:a="http://schemas.openxmlformats.org/drawingml/2006/main" xmlns:r="http://schemas.openxmlformats.org/officeDocument/2006/relationships" xmlns:p="http://schemas.openxmlformats.org/presentationml/2006/main">
-  <p:cSld>
-    <p:spTree>
-      <p:nvGrpSpPr>
-        <p:cNvPr id="1" name=""/>
-        <p:cNvGrpSpPr/>
-        <p:nvPr/>
-      </p:nvGrpSpPr>
-      <p:grpSpPr>
-        <a:xfrm>
-          <a:off x="0" y="0"/>
-          <a:ext cx="0" cy="0"/>
-          <a:chOff x="0" y="0"/>
-          <a:chExt cx="0" cy="0"/>
-        </a:xfrm>
-      </p:grpSpPr>
-    </p:spTree>
-  </p:cSld>
-  <p:clrMapOvr>
-    <a:masterClrMapping/>
-  </p:clrMapOvr>
-</p:sld>
-</file>
-
 <file path=ppt/slides/slide2.xml><?xml version="1.0" encoding="utf-8"?>
 <p:sld xmlns:a="http://schemas.openxmlformats.org/drawingml/2006/main" xmlns:r="http://schemas.openxmlformats.org/officeDocument/2006/relationships" xmlns:p="http://schemas.openxmlformats.org/presentationml/2006/main">
   <p:cSld>
@@ -6356,6 +6280,71 @@
           <a:chExt cx="0" cy="0"/>
         </a:xfrm>
       </p:grpSpPr>
+      <p:sp>
+        <p:nvSpPr>
+          <p:cNvPr id="2" name="文本框 1"/>
+          <p:cNvSpPr txBox="1"/>
+          <p:nvPr/>
+        </p:nvSpPr>
+        <p:spPr>
+          <a:xfrm>
+            <a:off x="4688840" y="389890"/>
+            <a:ext cx="2193290" cy="521970"/>
+          </a:xfrm>
+          <a:prstGeom prst="rect">
+            <a:avLst/>
+          </a:prstGeom>
+          <a:noFill/>
+        </p:spPr>
+        <p:txBody>
+          <a:bodyPr wrap="none" rtlCol="0" anchor="t">
+            <a:spAutoFit/>
+          </a:bodyPr>
+          <a:p>
+            <a:r>
+              <a:rPr lang="en-US" altLang="zh-CN" sz="2800">
+                <a:latin typeface="+mn-ea"/>
+                <a:cs typeface="+mn-ea"/>
+                <a:sym typeface="+mn-ea"/>
+              </a:rPr>
+              <a:t>4.2:</a:t>
+            </a:r>
+            <a:r>
+              <a:rPr lang="zh-CN" altLang="en-US" sz="2800">
+                <a:latin typeface="+mn-ea"/>
+                <a:cs typeface="+mn-ea"/>
+                <a:sym typeface="+mn-ea"/>
+              </a:rPr>
+              <a:t>登录后台</a:t>
+            </a:r>
+            <a:endParaRPr lang="zh-CN" altLang="en-US" sz="2800"/>
+          </a:p>
+        </p:txBody>
+      </p:sp>
+      <p:pic>
+        <p:nvPicPr>
+          <p:cNvPr id="3" name="图片 2"/>
+          <p:cNvPicPr>
+            <a:picLocks noChangeAspect="1"/>
+          </p:cNvPicPr>
+          <p:nvPr/>
+        </p:nvPicPr>
+        <p:blipFill>
+          <a:blip r:embed="rId1"/>
+          <a:stretch>
+            <a:fillRect/>
+          </a:stretch>
+        </p:blipFill>
+        <p:spPr>
+          <a:xfrm>
+            <a:off x="45085" y="1021715"/>
+            <a:ext cx="12110085" cy="5114925"/>
+          </a:xfrm>
+          <a:prstGeom prst="rect">
+            <a:avLst/>
+          </a:prstGeom>
+        </p:spPr>
+      </p:pic>
     </p:spTree>
   </p:cSld>
   <p:clrMapOvr>
@@ -6381,6 +6370,30 @@
           <a:chExt cx="0" cy="0"/>
         </a:xfrm>
       </p:grpSpPr>
+      <p:pic>
+        <p:nvPicPr>
+          <p:cNvPr id="2" name="图片 1"/>
+          <p:cNvPicPr>
+            <a:picLocks noChangeAspect="1"/>
+          </p:cNvPicPr>
+          <p:nvPr/>
+        </p:nvPicPr>
+        <p:blipFill>
+          <a:blip r:embed="rId1"/>
+          <a:stretch>
+            <a:fillRect/>
+          </a:stretch>
+        </p:blipFill>
+        <p:spPr>
+          <a:xfrm>
+            <a:off x="9525" y="-15875"/>
+            <a:ext cx="12172950" cy="6851015"/>
+          </a:xfrm>
+          <a:prstGeom prst="rect">
+            <a:avLst/>
+          </a:prstGeom>
+        </p:spPr>
+      </p:pic>
     </p:spTree>
   </p:cSld>
   <p:clrMapOvr>

--- a/微信小程序初级入门.pptx
+++ b/微信小程序初级入门.pptx
@@ -6,7 +6,7 @@
     <p:sldMasterId id="2147483659" r:id="rId3"/>
   </p:sldMasterIdLst>
   <p:notesMasterIdLst>
-    <p:notesMasterId r:id="rId19"/>
+    <p:notesMasterId r:id="rId18"/>
   </p:notesMasterIdLst>
   <p:sldIdLst>
     <p:sldId id="315" r:id="rId4"/>
@@ -19,11 +19,10 @@
     <p:sldId id="321" r:id="rId11"/>
     <p:sldId id="322" r:id="rId12"/>
     <p:sldId id="310" r:id="rId13"/>
-    <p:sldId id="313" r:id="rId14"/>
-    <p:sldId id="309" r:id="rId15"/>
-    <p:sldId id="314" r:id="rId16"/>
-    <p:sldId id="324" r:id="rId17"/>
-    <p:sldId id="316" r:id="rId18"/>
+    <p:sldId id="309" r:id="rId14"/>
+    <p:sldId id="314" r:id="rId15"/>
+    <p:sldId id="324" r:id="rId16"/>
+    <p:sldId id="316" r:id="rId17"/>
   </p:sldIdLst>
   <p:sldSz cx="12192000" cy="6858000"/>
   <p:notesSz cx="6858000" cy="9144000"/>
@@ -5198,6 +5197,112 @@
           </a:p>
         </p:txBody>
       </p:sp>
+      <p:pic>
+        <p:nvPicPr>
+          <p:cNvPr id="3" name="图片 2"/>
+          <p:cNvPicPr>
+            <a:picLocks noChangeAspect="1"/>
+          </p:cNvPicPr>
+          <p:nvPr/>
+        </p:nvPicPr>
+        <p:blipFill>
+          <a:blip r:embed="rId1"/>
+          <a:stretch>
+            <a:fillRect/>
+          </a:stretch>
+        </p:blipFill>
+        <p:spPr>
+          <a:xfrm>
+            <a:off x="20320" y="1703070"/>
+            <a:ext cx="6838950" cy="4581525"/>
+          </a:xfrm>
+          <a:prstGeom prst="rect">
+            <a:avLst/>
+          </a:prstGeom>
+        </p:spPr>
+      </p:pic>
+      <p:sp>
+        <p:nvSpPr>
+          <p:cNvPr id="4" name="文本框 3"/>
+          <p:cNvSpPr txBox="1"/>
+          <p:nvPr/>
+        </p:nvSpPr>
+        <p:spPr>
+          <a:xfrm>
+            <a:off x="1874520" y="1181100"/>
+            <a:ext cx="1554480" cy="368300"/>
+          </a:xfrm>
+          <a:prstGeom prst="rect">
+            <a:avLst/>
+          </a:prstGeom>
+          <a:noFill/>
+        </p:spPr>
+        <p:txBody>
+          <a:bodyPr wrap="none" rtlCol="0">
+            <a:spAutoFit/>
+          </a:bodyPr>
+          <a:p>
+            <a:r>
+              <a:rPr lang="zh-CN" altLang="en-US"/>
+              <a:t>后台地址配置</a:t>
+            </a:r>
+            <a:endParaRPr lang="zh-CN" altLang="en-US"/>
+          </a:p>
+        </p:txBody>
+      </p:sp>
+      <p:pic>
+        <p:nvPicPr>
+          <p:cNvPr id="5" name="图片 4"/>
+          <p:cNvPicPr>
+            <a:picLocks noChangeAspect="1"/>
+          </p:cNvPicPr>
+          <p:nvPr/>
+        </p:nvPicPr>
+        <p:blipFill>
+          <a:blip r:embed="rId2"/>
+          <a:stretch>
+            <a:fillRect/>
+          </a:stretch>
+        </p:blipFill>
+        <p:spPr>
+          <a:xfrm>
+            <a:off x="7162165" y="1703070"/>
+            <a:ext cx="4850765" cy="3486150"/>
+          </a:xfrm>
+          <a:prstGeom prst="rect">
+            <a:avLst/>
+          </a:prstGeom>
+        </p:spPr>
+      </p:pic>
+      <p:sp>
+        <p:nvSpPr>
+          <p:cNvPr id="6" name="文本框 5"/>
+          <p:cNvSpPr txBox="1"/>
+          <p:nvPr/>
+        </p:nvSpPr>
+        <p:spPr>
+          <a:xfrm>
+            <a:off x="9317990" y="1181100"/>
+            <a:ext cx="1097280" cy="368300"/>
+          </a:xfrm>
+          <a:prstGeom prst="rect">
+            <a:avLst/>
+          </a:prstGeom>
+          <a:noFill/>
+        </p:spPr>
+        <p:txBody>
+          <a:bodyPr wrap="none" rtlCol="0">
+            <a:spAutoFit/>
+          </a:bodyPr>
+          <a:p>
+            <a:r>
+              <a:rPr lang="zh-CN" altLang="en-US"/>
+              <a:t>接口名称</a:t>
+            </a:r>
+            <a:endParaRPr lang="zh-CN" altLang="en-US"/>
+          </a:p>
+        </p:txBody>
+      </p:sp>
     </p:spTree>
   </p:cSld>
   <p:clrMapOvr>
@@ -5223,6 +5328,59 @@
           <a:chExt cx="0" cy="0"/>
         </a:xfrm>
       </p:grpSpPr>
+      <p:pic>
+        <p:nvPicPr>
+          <p:cNvPr id="2" name="图片 1"/>
+          <p:cNvPicPr>
+            <a:picLocks noChangeAspect="1"/>
+          </p:cNvPicPr>
+          <p:nvPr/>
+        </p:nvPicPr>
+        <p:blipFill>
+          <a:blip r:embed="rId1"/>
+          <a:stretch>
+            <a:fillRect/>
+          </a:stretch>
+        </p:blipFill>
+        <p:spPr>
+          <a:xfrm>
+            <a:off x="1343025" y="1081405"/>
+            <a:ext cx="9505950" cy="5562600"/>
+          </a:xfrm>
+          <a:prstGeom prst="rect">
+            <a:avLst/>
+          </a:prstGeom>
+        </p:spPr>
+      </p:pic>
+      <p:sp>
+        <p:nvSpPr>
+          <p:cNvPr id="3" name="文本框 2"/>
+          <p:cNvSpPr txBox="1"/>
+          <p:nvPr/>
+        </p:nvSpPr>
+        <p:spPr>
+          <a:xfrm>
+            <a:off x="5398135" y="512445"/>
+            <a:ext cx="1783080" cy="368300"/>
+          </a:xfrm>
+          <a:prstGeom prst="rect">
+            <a:avLst/>
+          </a:prstGeom>
+          <a:noFill/>
+        </p:spPr>
+        <p:txBody>
+          <a:bodyPr wrap="none" rtlCol="0">
+            <a:spAutoFit/>
+          </a:bodyPr>
+          <a:p>
+            <a:r>
+              <a:rPr lang="zh-CN" altLang="en-US"/>
+              <a:t>调用接口的方式</a:t>
+            </a:r>
+            <a:endParaRPr lang="zh-CN" altLang="en-US"/>
+          </a:p>
+        </p:txBody>
+      </p:sp>
     </p:spTree>
   </p:cSld>
   <p:clrMapOvr>
@@ -5248,6 +5406,80 @@
           <a:chExt cx="0" cy="0"/>
         </a:xfrm>
       </p:grpSpPr>
+      <p:pic>
+        <p:nvPicPr>
+          <p:cNvPr id="2" name="图片 1"/>
+          <p:cNvPicPr>
+            <a:picLocks noChangeAspect="1"/>
+          </p:cNvPicPr>
+          <p:nvPr/>
+        </p:nvPicPr>
+        <p:blipFill>
+          <a:blip r:embed="rId1"/>
+          <a:stretch>
+            <a:fillRect/>
+          </a:stretch>
+        </p:blipFill>
+        <p:spPr>
+          <a:xfrm>
+            <a:off x="3663950" y="16510"/>
+            <a:ext cx="8462645" cy="6824345"/>
+          </a:xfrm>
+          <a:prstGeom prst="rect">
+            <a:avLst/>
+          </a:prstGeom>
+        </p:spPr>
+      </p:pic>
+      <p:sp>
+        <p:nvSpPr>
+          <p:cNvPr id="3" name="文本框 2"/>
+          <p:cNvSpPr txBox="1"/>
+          <p:nvPr/>
+        </p:nvSpPr>
+        <p:spPr>
+          <a:xfrm>
+            <a:off x="1318260" y="2019300"/>
+            <a:ext cx="792480" cy="1568450"/>
+          </a:xfrm>
+          <a:prstGeom prst="rect">
+            <a:avLst/>
+          </a:prstGeom>
+          <a:noFill/>
+        </p:spPr>
+        <p:txBody>
+          <a:bodyPr wrap="none" rtlCol="0">
+            <a:spAutoFit/>
+          </a:bodyPr>
+          <a:p>
+            <a:r>
+              <a:rPr lang="zh-CN" altLang="en-US" sz="2400"/>
+              <a:t>登录</a:t>
+            </a:r>
+            <a:endParaRPr lang="zh-CN" altLang="en-US" sz="2400"/>
+          </a:p>
+          <a:p>
+            <a:r>
+              <a:rPr lang="zh-CN" altLang="en-US" sz="2400"/>
+              <a:t>页面</a:t>
+            </a:r>
+            <a:endParaRPr lang="zh-CN" altLang="en-US" sz="2400"/>
+          </a:p>
+          <a:p>
+            <a:r>
+              <a:rPr lang="zh-CN" altLang="en-US" sz="2400"/>
+              <a:t>调用</a:t>
+            </a:r>
+            <a:endParaRPr lang="zh-CN" altLang="en-US" sz="2400"/>
+          </a:p>
+          <a:p>
+            <a:r>
+              <a:rPr lang="zh-CN" altLang="en-US" sz="2400"/>
+              <a:t>接口</a:t>
+            </a:r>
+            <a:endParaRPr lang="zh-CN" altLang="en-US" sz="2400"/>
+          </a:p>
+        </p:txBody>
+      </p:sp>
     </p:spTree>
   </p:cSld>
   <p:clrMapOvr>
@@ -5273,6 +5505,120 @@
           <a:chExt cx="0" cy="0"/>
         </a:xfrm>
       </p:grpSpPr>
+      <p:pic>
+        <p:nvPicPr>
+          <p:cNvPr id="4" name="图片 3"/>
+          <p:cNvPicPr>
+            <a:picLocks noChangeAspect="1"/>
+          </p:cNvPicPr>
+          <p:nvPr/>
+        </p:nvPicPr>
+        <p:blipFill>
+          <a:blip r:embed="rId1"/>
+          <a:stretch>
+            <a:fillRect/>
+          </a:stretch>
+        </p:blipFill>
+        <p:spPr>
+          <a:xfrm>
+            <a:off x="31750" y="1973580"/>
+            <a:ext cx="6267450" cy="3381375"/>
+          </a:xfrm>
+          <a:prstGeom prst="rect">
+            <a:avLst/>
+          </a:prstGeom>
+        </p:spPr>
+      </p:pic>
+      <p:pic>
+        <p:nvPicPr>
+          <p:cNvPr id="5" name="图片 4"/>
+          <p:cNvPicPr>
+            <a:picLocks noChangeAspect="1"/>
+          </p:cNvPicPr>
+          <p:nvPr/>
+        </p:nvPicPr>
+        <p:blipFill>
+          <a:blip r:embed="rId2"/>
+          <a:stretch>
+            <a:fillRect/>
+          </a:stretch>
+        </p:blipFill>
+        <p:spPr>
+          <a:xfrm>
+            <a:off x="6195695" y="1973580"/>
+            <a:ext cx="5848350" cy="4019550"/>
+          </a:xfrm>
+          <a:prstGeom prst="rect">
+            <a:avLst/>
+          </a:prstGeom>
+        </p:spPr>
+      </p:pic>
+      <p:sp>
+        <p:nvSpPr>
+          <p:cNvPr id="6" name="文本框 5"/>
+          <p:cNvSpPr txBox="1"/>
+          <p:nvPr/>
+        </p:nvSpPr>
+        <p:spPr>
+          <a:xfrm>
+            <a:off x="1478280" y="1445260"/>
+            <a:ext cx="1783080" cy="368300"/>
+          </a:xfrm>
+          <a:prstGeom prst="rect">
+            <a:avLst/>
+          </a:prstGeom>
+          <a:noFill/>
+        </p:spPr>
+        <p:txBody>
+          <a:bodyPr wrap="none" rtlCol="0">
+            <a:spAutoFit/>
+          </a:bodyPr>
+          <a:p>
+            <a:r>
+              <a:rPr lang="zh-CN" altLang="en-US"/>
+              <a:t>跳转页面的显示</a:t>
+            </a:r>
+            <a:endParaRPr lang="en-US" altLang="zh-CN"/>
+          </a:p>
+        </p:txBody>
+      </p:sp>
+      <p:sp>
+        <p:nvSpPr>
+          <p:cNvPr id="7" name="文本框 6"/>
+          <p:cNvSpPr txBox="1"/>
+          <p:nvPr/>
+        </p:nvSpPr>
+        <p:spPr>
+          <a:xfrm>
+            <a:off x="8667750" y="1586230"/>
+            <a:ext cx="1927225" cy="368300"/>
+          </a:xfrm>
+          <a:prstGeom prst="rect">
+            <a:avLst/>
+          </a:prstGeom>
+          <a:noFill/>
+        </p:spPr>
+        <p:txBody>
+          <a:bodyPr wrap="none" rtlCol="0">
+            <a:spAutoFit/>
+          </a:bodyPr>
+          <a:p>
+            <a:r>
+              <a:rPr lang="zh-CN" altLang="en-US"/>
+              <a:t>跳转页面的</a:t>
+            </a:r>
+            <a:r>
+              <a:rPr lang="en-US" altLang="zh-CN"/>
+              <a:t>js</a:t>
+            </a:r>
+            <a:r>
+              <a:rPr lang="zh-CN" altLang="en-US"/>
+              <a:t>文件</a:t>
+            </a:r>
+            <a:endParaRPr lang="zh-CN" altLang="en-US"/>
+          </a:p>
+        </p:txBody>
+      </p:sp>
     </p:spTree>
   </p:cSld>
   <p:clrMapOvr>
@@ -5282,31 +5628,6 @@
 </file>
 
 <file path=ppt/slides/slide14.xml><?xml version="1.0" encoding="utf-8"?>
-<p:sld xmlns:a="http://schemas.openxmlformats.org/drawingml/2006/main" xmlns:r="http://schemas.openxmlformats.org/officeDocument/2006/relationships" xmlns:p="http://schemas.openxmlformats.org/presentationml/2006/main">
-  <p:cSld>
-    <p:spTree>
-      <p:nvGrpSpPr>
-        <p:cNvPr id="1" name=""/>
-        <p:cNvGrpSpPr/>
-        <p:nvPr/>
-      </p:nvGrpSpPr>
-      <p:grpSpPr>
-        <a:xfrm>
-          <a:off x="0" y="0"/>
-          <a:ext cx="0" cy="0"/>
-          <a:chOff x="0" y="0"/>
-          <a:chExt cx="0" cy="0"/>
-        </a:xfrm>
-      </p:grpSpPr>
-    </p:spTree>
-  </p:cSld>
-  <p:clrMapOvr>
-    <a:masterClrMapping/>
-  </p:clrMapOvr>
-</p:sld>
-</file>
-
-<file path=ppt/slides/slide15.xml><?xml version="1.0" encoding="utf-8"?>
 <p:sld xmlns:a="http://schemas.openxmlformats.org/drawingml/2006/main" xmlns:r="http://schemas.openxmlformats.org/officeDocument/2006/relationships" xmlns:p="http://schemas.openxmlformats.org/presentationml/2006/main">
   <p:cSld>
     <p:spTree>
@@ -6165,7 +6486,7 @@
         </p:blipFill>
         <p:spPr>
           <a:xfrm>
-            <a:off x="4239260" y="2517775"/>
+            <a:off x="3966210" y="3449955"/>
             <a:ext cx="7010400" cy="2895600"/>
           </a:xfrm>
           <a:prstGeom prst="rect">
@@ -6173,6 +6494,59 @@
           </a:prstGeom>
         </p:spPr>
       </p:pic>
+      <p:sp>
+        <p:nvSpPr>
+          <p:cNvPr id="3" name="文本框 2"/>
+          <p:cNvSpPr txBox="1"/>
+          <p:nvPr/>
+        </p:nvSpPr>
+        <p:spPr>
+          <a:xfrm>
+            <a:off x="4615815" y="2462530"/>
+            <a:ext cx="4856480" cy="368300"/>
+          </a:xfrm>
+          <a:prstGeom prst="rect">
+            <a:avLst/>
+          </a:prstGeom>
+          <a:noFill/>
+        </p:spPr>
+        <p:txBody>
+          <a:bodyPr wrap="none" rtlCol="0">
+            <a:spAutoFit/>
+          </a:bodyPr>
+          <a:p>
+            <a:r>
+              <a:rPr lang="zh-CN" altLang="en-US"/>
+              <a:t>注意点</a:t>
+            </a:r>
+            <a:r>
+              <a:rPr lang="en-US" altLang="zh-CN"/>
+              <a:t>:</a:t>
+            </a:r>
+            <a:r>
+              <a:rPr lang="zh-CN" altLang="en-US"/>
+              <a:t>使用微信定义的组件</a:t>
+            </a:r>
+            <a:r>
+              <a:rPr lang="en-US" altLang="zh-CN"/>
+              <a:t>,</a:t>
+            </a:r>
+            <a:r>
+              <a:rPr lang="zh-CN" altLang="en-US"/>
+              <a:t>不支持</a:t>
+            </a:r>
+            <a:r>
+              <a:rPr lang="en-US" altLang="zh-CN"/>
+              <a:t>html</a:t>
+            </a:r>
+            <a:r>
+              <a:rPr lang="zh-CN" altLang="en-US"/>
+              <a:t>的组件</a:t>
+            </a:r>
+            <a:endParaRPr lang="zh-CN" altLang="en-US"/>
+          </a:p>
+        </p:txBody>
+      </p:sp>
     </p:spTree>
   </p:cSld>
   <p:clrMapOvr>
@@ -6250,6 +6624,60 @@
             <a:r>
               <a:rPr lang="zh-CN" altLang="en-US"/>
               <a:t>代码</a:t>
+            </a:r>
+            <a:endParaRPr lang="zh-CN" altLang="en-US"/>
+          </a:p>
+        </p:txBody>
+      </p:sp>
+      <p:sp>
+        <p:nvSpPr>
+          <p:cNvPr id="2" name="文本框 1"/>
+          <p:cNvSpPr txBox="1"/>
+          <p:nvPr/>
+        </p:nvSpPr>
+        <p:spPr>
+          <a:xfrm>
+            <a:off x="4493895" y="1651635"/>
+            <a:ext cx="7091680" cy="368300"/>
+          </a:xfrm>
+          <a:prstGeom prst="rect">
+            <a:avLst/>
+          </a:prstGeom>
+          <a:noFill/>
+        </p:spPr>
+        <p:txBody>
+          <a:bodyPr wrap="none" rtlCol="0">
+            <a:spAutoFit/>
+          </a:bodyPr>
+          <a:p>
+            <a:pPr algn="l"/>
+            <a:r>
+              <a:rPr lang="zh-CN" altLang="en-US"/>
+              <a:t>注意点</a:t>
+            </a:r>
+            <a:r>
+              <a:rPr lang="en-US" altLang="zh-CN"/>
+              <a:t>: </a:t>
+            </a:r>
+            <a:r>
+              <a:rPr lang="zh-CN" altLang="en-US"/>
+              <a:t>使用微信的</a:t>
+            </a:r>
+            <a:r>
+              <a:rPr lang="en-US" altLang="zh-CN"/>
+              <a:t>rpx</a:t>
+            </a:r>
+            <a:r>
+              <a:rPr lang="zh-CN" altLang="en-US"/>
+              <a:t>来表示尺寸单位</a:t>
+            </a:r>
+            <a:r>
+              <a:rPr lang="en-US" altLang="zh-CN"/>
+              <a:t>,</a:t>
+            </a:r>
+            <a:r>
+              <a:rPr lang="zh-CN" altLang="en-US"/>
+              <a:t>微信会根据屏幕大小做自适应</a:t>
             </a:r>
             <a:endParaRPr lang="zh-CN" altLang="en-US"/>
           </a:p>
